--- a/software_project/picAmaze.pptx
+++ b/software_project/picAmaze.pptx
@@ -5,25 +5,29 @@
     <p:sldMasterId id="2147483648" r:id="rId1"/>
   </p:sldMasterIdLst>
   <p:notesMasterIdLst>
-    <p:notesMasterId r:id="rId18"/>
+    <p:notesMasterId r:id="rId22"/>
   </p:notesMasterIdLst>
   <p:sldIdLst>
     <p:sldId id="256" r:id="rId2"/>
     <p:sldId id="270" r:id="rId3"/>
     <p:sldId id="303" r:id="rId4"/>
     <p:sldId id="304" r:id="rId5"/>
-    <p:sldId id="305" r:id="rId6"/>
-    <p:sldId id="306" r:id="rId7"/>
-    <p:sldId id="307" r:id="rId8"/>
-    <p:sldId id="308" r:id="rId9"/>
-    <p:sldId id="309" r:id="rId10"/>
-    <p:sldId id="310" r:id="rId11"/>
-    <p:sldId id="311" r:id="rId12"/>
-    <p:sldId id="312" r:id="rId13"/>
-    <p:sldId id="313" r:id="rId14"/>
-    <p:sldId id="314" r:id="rId15"/>
-    <p:sldId id="315" r:id="rId16"/>
-    <p:sldId id="302" r:id="rId17"/>
+    <p:sldId id="319" r:id="rId6"/>
+    <p:sldId id="305" r:id="rId7"/>
+    <p:sldId id="316" r:id="rId8"/>
+    <p:sldId id="317" r:id="rId9"/>
+    <p:sldId id="318" r:id="rId10"/>
+    <p:sldId id="306" r:id="rId11"/>
+    <p:sldId id="307" r:id="rId12"/>
+    <p:sldId id="308" r:id="rId13"/>
+    <p:sldId id="309" r:id="rId14"/>
+    <p:sldId id="310" r:id="rId15"/>
+    <p:sldId id="311" r:id="rId16"/>
+    <p:sldId id="312" r:id="rId17"/>
+    <p:sldId id="313" r:id="rId18"/>
+    <p:sldId id="314" r:id="rId19"/>
+    <p:sldId id="315" r:id="rId20"/>
+    <p:sldId id="302" r:id="rId21"/>
   </p:sldIdLst>
   <p:sldSz cx="12192000" cy="6858000"/>
   <p:notesSz cx="6858000" cy="9144000"/>
@@ -261,7 +265,7 @@
       <p15:sldGuideLst xmlns:p15="http://schemas.microsoft.com/office/powerpoint/2012/main"/>
     </p:ext>
     <p:ext uri="http://customooxmlschemas.google.com/">
-      <go:slidesCustomData xmlns="" xmlns:mc="http://schemas.openxmlformats.org/markup-compatibility/2006" xmlns:mv="urn:schemas-microsoft-com:mac:vml" xmlns:c="http://schemas.openxmlformats.org/drawingml/2006/chart" xmlns:dgm="http://schemas.openxmlformats.org/drawingml/2006/diagram" xmlns:o="urn:schemas-microsoft-com:office:office" xmlns:v="urn:schemas-microsoft-com:vml" xmlns:pvml="urn:schemas-microsoft-com:office:powerpoint" xmlns:com="http://schemas.openxmlformats.org/drawingml/2006/compatibility" xmlns:p14="http://schemas.microsoft.com/office/powerpoint/2010/main" xmlns:p15="http://schemas.microsoft.com/office/powerpoint/2012/main" xmlns:ahyp="http://schemas.microsoft.com/office/drawing/2018/hyperlinkcolor" xmlns:go="http://customooxmlschemas.google.com/" r:id="rId21" roundtripDataSignature="AMtx7mj5OGtVyiP+PGhujhEtY1ehKDPDhg=="/>
+      <go:slidesCustomData xmlns:go="http://customooxmlschemas.google.com/" xmlns:ahyp="http://schemas.microsoft.com/office/drawing/2018/hyperlinkcolor" xmlns:p15="http://schemas.microsoft.com/office/powerpoint/2012/main" xmlns:p14="http://schemas.microsoft.com/office/powerpoint/2010/main" xmlns:com="http://schemas.openxmlformats.org/drawingml/2006/compatibility" xmlns:pvml="urn:schemas-microsoft-com:office:powerpoint" xmlns:v="urn:schemas-microsoft-com:vml" xmlns:o="urn:schemas-microsoft-com:office:office" xmlns:dgm="http://schemas.openxmlformats.org/drawingml/2006/diagram" xmlns:c="http://schemas.openxmlformats.org/drawingml/2006/chart" xmlns:mv="urn:schemas-microsoft-com:mac:vml" xmlns:mc="http://schemas.openxmlformats.org/markup-compatibility/2006" xmlns="" r:id="rId23" roundtripDataSignature="AMtx7mj5OGtVyiP+PGhujhEtY1ehKDPDhg=="/>
     </p:ext>
   </p:extLst>
 </p:presentation>
@@ -1745,6 +1749,442 @@
     </p:spTree>
     <p:extLst>
       <p:ext uri="{BB962C8B-B14F-4D97-AF65-F5344CB8AC3E}">
+        <p14:creationId xmlns:p14="http://schemas.microsoft.com/office/powerpoint/2010/main" val="4131366876"/>
+      </p:ext>
+    </p:extLst>
+  </p:cSld>
+  <p:clrMapOvr>
+    <a:masterClrMapping/>
+  </p:clrMapOvr>
+</p:notes>
+</file>
+
+<file path=ppt/notesSlides/notesSlide11.xml><?xml version="1.0" encoding="utf-8"?>
+<p:notes xmlns:a="http://schemas.openxmlformats.org/drawingml/2006/main" xmlns:r="http://schemas.openxmlformats.org/officeDocument/2006/relationships" xmlns:p="http://schemas.openxmlformats.org/presentationml/2006/main" showMasterSp="0" showMasterPhAnim="0">
+  <p:cSld>
+    <p:spTree>
+      <p:nvGrpSpPr>
+        <p:cNvPr id="1" name="Shape 96"/>
+        <p:cNvGrpSpPr/>
+        <p:nvPr/>
+      </p:nvGrpSpPr>
+      <p:grpSpPr>
+        <a:xfrm>
+          <a:off x="0" y="0"/>
+          <a:ext cx="0" cy="0"/>
+          <a:chOff x="0" y="0"/>
+          <a:chExt cx="0" cy="0"/>
+        </a:xfrm>
+      </p:grpSpPr>
+      <p:sp>
+        <p:nvSpPr>
+          <p:cNvPr id="97" name="Google Shape;97;p2:notes"/>
+          <p:cNvSpPr txBox="1">
+            <a:spLocks noGrp="1"/>
+          </p:cNvSpPr>
+          <p:nvPr>
+            <p:ph type="body" idx="1"/>
+          </p:nvPr>
+        </p:nvSpPr>
+        <p:spPr>
+          <a:xfrm>
+            <a:off x="685800" y="4400550"/>
+            <a:ext cx="5486400" cy="3600450"/>
+          </a:xfrm>
+          <a:prstGeom prst="rect">
+            <a:avLst/>
+          </a:prstGeom>
+        </p:spPr>
+        <p:txBody>
+          <a:bodyPr spcFirstLastPara="1" wrap="square" lIns="91425" tIns="45700" rIns="91425" bIns="45700" anchor="t" anchorCtr="0">
+            <a:noAutofit/>
+          </a:bodyPr>
+          <a:lstStyle/>
+          <a:p>
+            <a:pPr marL="0" lvl="0" indent="0" algn="l" rtl="0">
+              <a:spcBef>
+                <a:spcPts val="0"/>
+              </a:spcBef>
+              <a:spcAft>
+                <a:spcPts val="0"/>
+              </a:spcAft>
+              <a:buNone/>
+            </a:pPr>
+            <a:endParaRPr/>
+          </a:p>
+        </p:txBody>
+      </p:sp>
+      <p:sp>
+        <p:nvSpPr>
+          <p:cNvPr id="98" name="Google Shape;98;p2:notes"/>
+          <p:cNvSpPr>
+            <a:spLocks noGrp="1" noRot="1" noChangeAspect="1"/>
+          </p:cNvSpPr>
+          <p:nvPr>
+            <p:ph type="sldImg" idx="2"/>
+          </p:nvPr>
+        </p:nvSpPr>
+        <p:spPr>
+          <a:xfrm>
+            <a:off x="685800" y="1143000"/>
+            <a:ext cx="5486400" cy="3086100"/>
+          </a:xfrm>
+          <a:custGeom>
+            <a:avLst/>
+            <a:gdLst/>
+            <a:ahLst/>
+            <a:cxnLst/>
+            <a:rect l="l" t="t" r="r" b="b"/>
+            <a:pathLst>
+              <a:path w="120000" h="120000" extrusionOk="0">
+                <a:moveTo>
+                  <a:pt x="0" y="0"/>
+                </a:moveTo>
+                <a:lnTo>
+                  <a:pt x="120000" y="0"/>
+                </a:lnTo>
+                <a:lnTo>
+                  <a:pt x="120000" y="120000"/>
+                </a:lnTo>
+                <a:lnTo>
+                  <a:pt x="0" y="120000"/>
+                </a:lnTo>
+                <a:close/>
+              </a:path>
+            </a:pathLst>
+          </a:custGeom>
+        </p:spPr>
+      </p:sp>
+    </p:spTree>
+    <p:extLst>
+      <p:ext uri="{BB962C8B-B14F-4D97-AF65-F5344CB8AC3E}">
+        <p14:creationId xmlns:p14="http://schemas.microsoft.com/office/powerpoint/2010/main" val="1308970998"/>
+      </p:ext>
+    </p:extLst>
+  </p:cSld>
+  <p:clrMapOvr>
+    <a:masterClrMapping/>
+  </p:clrMapOvr>
+</p:notes>
+</file>
+
+<file path=ppt/notesSlides/notesSlide12.xml><?xml version="1.0" encoding="utf-8"?>
+<p:notes xmlns:a="http://schemas.openxmlformats.org/drawingml/2006/main" xmlns:r="http://schemas.openxmlformats.org/officeDocument/2006/relationships" xmlns:p="http://schemas.openxmlformats.org/presentationml/2006/main" showMasterSp="0" showMasterPhAnim="0">
+  <p:cSld>
+    <p:spTree>
+      <p:nvGrpSpPr>
+        <p:cNvPr id="1" name="Shape 96"/>
+        <p:cNvGrpSpPr/>
+        <p:nvPr/>
+      </p:nvGrpSpPr>
+      <p:grpSpPr>
+        <a:xfrm>
+          <a:off x="0" y="0"/>
+          <a:ext cx="0" cy="0"/>
+          <a:chOff x="0" y="0"/>
+          <a:chExt cx="0" cy="0"/>
+        </a:xfrm>
+      </p:grpSpPr>
+      <p:sp>
+        <p:nvSpPr>
+          <p:cNvPr id="97" name="Google Shape;97;p2:notes"/>
+          <p:cNvSpPr txBox="1">
+            <a:spLocks noGrp="1"/>
+          </p:cNvSpPr>
+          <p:nvPr>
+            <p:ph type="body" idx="1"/>
+          </p:nvPr>
+        </p:nvSpPr>
+        <p:spPr>
+          <a:xfrm>
+            <a:off x="685800" y="4400550"/>
+            <a:ext cx="5486400" cy="3600450"/>
+          </a:xfrm>
+          <a:prstGeom prst="rect">
+            <a:avLst/>
+          </a:prstGeom>
+        </p:spPr>
+        <p:txBody>
+          <a:bodyPr spcFirstLastPara="1" wrap="square" lIns="91425" tIns="45700" rIns="91425" bIns="45700" anchor="t" anchorCtr="0">
+            <a:noAutofit/>
+          </a:bodyPr>
+          <a:lstStyle/>
+          <a:p>
+            <a:pPr marL="0" lvl="0" indent="0" algn="l" rtl="0">
+              <a:spcBef>
+                <a:spcPts val="0"/>
+              </a:spcBef>
+              <a:spcAft>
+                <a:spcPts val="0"/>
+              </a:spcAft>
+              <a:buNone/>
+            </a:pPr>
+            <a:endParaRPr/>
+          </a:p>
+        </p:txBody>
+      </p:sp>
+      <p:sp>
+        <p:nvSpPr>
+          <p:cNvPr id="98" name="Google Shape;98;p2:notes"/>
+          <p:cNvSpPr>
+            <a:spLocks noGrp="1" noRot="1" noChangeAspect="1"/>
+          </p:cNvSpPr>
+          <p:nvPr>
+            <p:ph type="sldImg" idx="2"/>
+          </p:nvPr>
+        </p:nvSpPr>
+        <p:spPr>
+          <a:xfrm>
+            <a:off x="685800" y="1143000"/>
+            <a:ext cx="5486400" cy="3086100"/>
+          </a:xfrm>
+          <a:custGeom>
+            <a:avLst/>
+            <a:gdLst/>
+            <a:ahLst/>
+            <a:cxnLst/>
+            <a:rect l="l" t="t" r="r" b="b"/>
+            <a:pathLst>
+              <a:path w="120000" h="120000" extrusionOk="0">
+                <a:moveTo>
+                  <a:pt x="0" y="0"/>
+                </a:moveTo>
+                <a:lnTo>
+                  <a:pt x="120000" y="0"/>
+                </a:lnTo>
+                <a:lnTo>
+                  <a:pt x="120000" y="120000"/>
+                </a:lnTo>
+                <a:lnTo>
+                  <a:pt x="0" y="120000"/>
+                </a:lnTo>
+                <a:close/>
+              </a:path>
+            </a:pathLst>
+          </a:custGeom>
+        </p:spPr>
+      </p:sp>
+    </p:spTree>
+    <p:extLst>
+      <p:ext uri="{BB962C8B-B14F-4D97-AF65-F5344CB8AC3E}">
+        <p14:creationId xmlns:p14="http://schemas.microsoft.com/office/powerpoint/2010/main" val="3554433548"/>
+      </p:ext>
+    </p:extLst>
+  </p:cSld>
+  <p:clrMapOvr>
+    <a:masterClrMapping/>
+  </p:clrMapOvr>
+</p:notes>
+</file>
+
+<file path=ppt/notesSlides/notesSlide13.xml><?xml version="1.0" encoding="utf-8"?>
+<p:notes xmlns:a="http://schemas.openxmlformats.org/drawingml/2006/main" xmlns:r="http://schemas.openxmlformats.org/officeDocument/2006/relationships" xmlns:p="http://schemas.openxmlformats.org/presentationml/2006/main" showMasterSp="0" showMasterPhAnim="0">
+  <p:cSld>
+    <p:spTree>
+      <p:nvGrpSpPr>
+        <p:cNvPr id="1" name="Shape 96"/>
+        <p:cNvGrpSpPr/>
+        <p:nvPr/>
+      </p:nvGrpSpPr>
+      <p:grpSpPr>
+        <a:xfrm>
+          <a:off x="0" y="0"/>
+          <a:ext cx="0" cy="0"/>
+          <a:chOff x="0" y="0"/>
+          <a:chExt cx="0" cy="0"/>
+        </a:xfrm>
+      </p:grpSpPr>
+      <p:sp>
+        <p:nvSpPr>
+          <p:cNvPr id="97" name="Google Shape;97;p2:notes"/>
+          <p:cNvSpPr txBox="1">
+            <a:spLocks noGrp="1"/>
+          </p:cNvSpPr>
+          <p:nvPr>
+            <p:ph type="body" idx="1"/>
+          </p:nvPr>
+        </p:nvSpPr>
+        <p:spPr>
+          <a:xfrm>
+            <a:off x="685800" y="4400550"/>
+            <a:ext cx="5486400" cy="3600450"/>
+          </a:xfrm>
+          <a:prstGeom prst="rect">
+            <a:avLst/>
+          </a:prstGeom>
+        </p:spPr>
+        <p:txBody>
+          <a:bodyPr spcFirstLastPara="1" wrap="square" lIns="91425" tIns="45700" rIns="91425" bIns="45700" anchor="t" anchorCtr="0">
+            <a:noAutofit/>
+          </a:bodyPr>
+          <a:lstStyle/>
+          <a:p>
+            <a:pPr marL="0" lvl="0" indent="0" algn="l" rtl="0">
+              <a:spcBef>
+                <a:spcPts val="0"/>
+              </a:spcBef>
+              <a:spcAft>
+                <a:spcPts val="0"/>
+              </a:spcAft>
+              <a:buNone/>
+            </a:pPr>
+            <a:endParaRPr/>
+          </a:p>
+        </p:txBody>
+      </p:sp>
+      <p:sp>
+        <p:nvSpPr>
+          <p:cNvPr id="98" name="Google Shape;98;p2:notes"/>
+          <p:cNvSpPr>
+            <a:spLocks noGrp="1" noRot="1" noChangeAspect="1"/>
+          </p:cNvSpPr>
+          <p:nvPr>
+            <p:ph type="sldImg" idx="2"/>
+          </p:nvPr>
+        </p:nvSpPr>
+        <p:spPr>
+          <a:xfrm>
+            <a:off x="685800" y="1143000"/>
+            <a:ext cx="5486400" cy="3086100"/>
+          </a:xfrm>
+          <a:custGeom>
+            <a:avLst/>
+            <a:gdLst/>
+            <a:ahLst/>
+            <a:cxnLst/>
+            <a:rect l="l" t="t" r="r" b="b"/>
+            <a:pathLst>
+              <a:path w="120000" h="120000" extrusionOk="0">
+                <a:moveTo>
+                  <a:pt x="0" y="0"/>
+                </a:moveTo>
+                <a:lnTo>
+                  <a:pt x="120000" y="0"/>
+                </a:lnTo>
+                <a:lnTo>
+                  <a:pt x="120000" y="120000"/>
+                </a:lnTo>
+                <a:lnTo>
+                  <a:pt x="0" y="120000"/>
+                </a:lnTo>
+                <a:close/>
+              </a:path>
+            </a:pathLst>
+          </a:custGeom>
+        </p:spPr>
+      </p:sp>
+    </p:spTree>
+    <p:extLst>
+      <p:ext uri="{BB962C8B-B14F-4D97-AF65-F5344CB8AC3E}">
+        <p14:creationId xmlns:p14="http://schemas.microsoft.com/office/powerpoint/2010/main" val="1520708554"/>
+      </p:ext>
+    </p:extLst>
+  </p:cSld>
+  <p:clrMapOvr>
+    <a:masterClrMapping/>
+  </p:clrMapOvr>
+</p:notes>
+</file>
+
+<file path=ppt/notesSlides/notesSlide14.xml><?xml version="1.0" encoding="utf-8"?>
+<p:notes xmlns:a="http://schemas.openxmlformats.org/drawingml/2006/main" xmlns:r="http://schemas.openxmlformats.org/officeDocument/2006/relationships" xmlns:p="http://schemas.openxmlformats.org/presentationml/2006/main" showMasterSp="0" showMasterPhAnim="0">
+  <p:cSld>
+    <p:spTree>
+      <p:nvGrpSpPr>
+        <p:cNvPr id="1" name="Shape 96"/>
+        <p:cNvGrpSpPr/>
+        <p:nvPr/>
+      </p:nvGrpSpPr>
+      <p:grpSpPr>
+        <a:xfrm>
+          <a:off x="0" y="0"/>
+          <a:ext cx="0" cy="0"/>
+          <a:chOff x="0" y="0"/>
+          <a:chExt cx="0" cy="0"/>
+        </a:xfrm>
+      </p:grpSpPr>
+      <p:sp>
+        <p:nvSpPr>
+          <p:cNvPr id="97" name="Google Shape;97;p2:notes"/>
+          <p:cNvSpPr txBox="1">
+            <a:spLocks noGrp="1"/>
+          </p:cNvSpPr>
+          <p:nvPr>
+            <p:ph type="body" idx="1"/>
+          </p:nvPr>
+        </p:nvSpPr>
+        <p:spPr>
+          <a:xfrm>
+            <a:off x="685800" y="4400550"/>
+            <a:ext cx="5486400" cy="3600450"/>
+          </a:xfrm>
+          <a:prstGeom prst="rect">
+            <a:avLst/>
+          </a:prstGeom>
+        </p:spPr>
+        <p:txBody>
+          <a:bodyPr spcFirstLastPara="1" wrap="square" lIns="91425" tIns="45700" rIns="91425" bIns="45700" anchor="t" anchorCtr="0">
+            <a:noAutofit/>
+          </a:bodyPr>
+          <a:lstStyle/>
+          <a:p>
+            <a:pPr marL="0" lvl="0" indent="0" algn="l" rtl="0">
+              <a:spcBef>
+                <a:spcPts val="0"/>
+              </a:spcBef>
+              <a:spcAft>
+                <a:spcPts val="0"/>
+              </a:spcAft>
+              <a:buNone/>
+            </a:pPr>
+            <a:endParaRPr/>
+          </a:p>
+        </p:txBody>
+      </p:sp>
+      <p:sp>
+        <p:nvSpPr>
+          <p:cNvPr id="98" name="Google Shape;98;p2:notes"/>
+          <p:cNvSpPr>
+            <a:spLocks noGrp="1" noRot="1" noChangeAspect="1"/>
+          </p:cNvSpPr>
+          <p:nvPr>
+            <p:ph type="sldImg" idx="2"/>
+          </p:nvPr>
+        </p:nvSpPr>
+        <p:spPr>
+          <a:xfrm>
+            <a:off x="685800" y="1143000"/>
+            <a:ext cx="5486400" cy="3086100"/>
+          </a:xfrm>
+          <a:custGeom>
+            <a:avLst/>
+            <a:gdLst/>
+            <a:ahLst/>
+            <a:cxnLst/>
+            <a:rect l="l" t="t" r="r" b="b"/>
+            <a:pathLst>
+              <a:path w="120000" h="120000" extrusionOk="0">
+                <a:moveTo>
+                  <a:pt x="0" y="0"/>
+                </a:moveTo>
+                <a:lnTo>
+                  <a:pt x="120000" y="0"/>
+                </a:lnTo>
+                <a:lnTo>
+                  <a:pt x="120000" y="120000"/>
+                </a:lnTo>
+                <a:lnTo>
+                  <a:pt x="0" y="120000"/>
+                </a:lnTo>
+                <a:close/>
+              </a:path>
+            </a:pathLst>
+          </a:custGeom>
+        </p:spPr>
+      </p:sp>
+    </p:spTree>
+    <p:extLst>
+      <p:ext uri="{BB962C8B-B14F-4D97-AF65-F5344CB8AC3E}">
         <p14:creationId xmlns:p14="http://schemas.microsoft.com/office/powerpoint/2010/main" val="3826388606"/>
       </p:ext>
     </p:extLst>
@@ -1755,7 +2195,7 @@
 </p:notes>
 </file>
 
-<file path=ppt/notesSlides/notesSlide11.xml><?xml version="1.0" encoding="utf-8"?>
+<file path=ppt/notesSlides/notesSlide15.xml><?xml version="1.0" encoding="utf-8"?>
 <p:notes xmlns:a="http://schemas.openxmlformats.org/drawingml/2006/main" xmlns:r="http://schemas.openxmlformats.org/officeDocument/2006/relationships" xmlns:p="http://schemas.openxmlformats.org/presentationml/2006/main" showMasterSp="0" showMasterPhAnim="0">
   <p:cSld>
     <p:spTree>
@@ -1864,7 +2304,7 @@
 </p:notes>
 </file>
 
-<file path=ppt/notesSlides/notesSlide12.xml><?xml version="1.0" encoding="utf-8"?>
+<file path=ppt/notesSlides/notesSlide16.xml><?xml version="1.0" encoding="utf-8"?>
 <p:notes xmlns:a="http://schemas.openxmlformats.org/drawingml/2006/main" xmlns:r="http://schemas.openxmlformats.org/officeDocument/2006/relationships" xmlns:p="http://schemas.openxmlformats.org/presentationml/2006/main" showMasterSp="0" showMasterPhAnim="0">
   <p:cSld>
     <p:spTree>
@@ -1973,7 +2413,7 @@
 </p:notes>
 </file>
 
-<file path=ppt/notesSlides/notesSlide13.xml><?xml version="1.0" encoding="utf-8"?>
+<file path=ppt/notesSlides/notesSlide17.xml><?xml version="1.0" encoding="utf-8"?>
 <p:notes xmlns:a="http://schemas.openxmlformats.org/drawingml/2006/main" xmlns:r="http://schemas.openxmlformats.org/officeDocument/2006/relationships" xmlns:p="http://schemas.openxmlformats.org/presentationml/2006/main" showMasterSp="0" showMasterPhAnim="0">
   <p:cSld>
     <p:spTree>
@@ -2082,7 +2522,7 @@
 </p:notes>
 </file>
 
-<file path=ppt/notesSlides/notesSlide14.xml><?xml version="1.0" encoding="utf-8"?>
+<file path=ppt/notesSlides/notesSlide18.xml><?xml version="1.0" encoding="utf-8"?>
 <p:notes xmlns:a="http://schemas.openxmlformats.org/drawingml/2006/main" xmlns:r="http://schemas.openxmlformats.org/officeDocument/2006/relationships" xmlns:p="http://schemas.openxmlformats.org/presentationml/2006/main" showMasterSp="0" showMasterPhAnim="0">
   <p:cSld>
     <p:spTree>
@@ -2191,7 +2631,7 @@
 </p:notes>
 </file>
 
-<file path=ppt/notesSlides/notesSlide15.xml><?xml version="1.0" encoding="utf-8"?>
+<file path=ppt/notesSlides/notesSlide19.xml><?xml version="1.0" encoding="utf-8"?>
 <p:notes xmlns:a="http://schemas.openxmlformats.org/drawingml/2006/main" xmlns:r="http://schemas.openxmlformats.org/officeDocument/2006/relationships" xmlns:p="http://schemas.openxmlformats.org/presentationml/2006/main" showMasterSp="0" showMasterPhAnim="0">
   <p:cSld>
     <p:spTree>
@@ -2300,7 +2740,116 @@
 </p:notes>
 </file>
 
-<file path=ppt/notesSlides/notesSlide16.xml><?xml version="1.0" encoding="utf-8"?>
+<file path=ppt/notesSlides/notesSlide2.xml><?xml version="1.0" encoding="utf-8"?>
+<p:notes xmlns:a="http://schemas.openxmlformats.org/drawingml/2006/main" xmlns:r="http://schemas.openxmlformats.org/officeDocument/2006/relationships" xmlns:p="http://schemas.openxmlformats.org/presentationml/2006/main" showMasterSp="0" showMasterPhAnim="0">
+  <p:cSld>
+    <p:spTree>
+      <p:nvGrpSpPr>
+        <p:cNvPr id="1" name="Shape 96"/>
+        <p:cNvGrpSpPr/>
+        <p:nvPr/>
+      </p:nvGrpSpPr>
+      <p:grpSpPr>
+        <a:xfrm>
+          <a:off x="0" y="0"/>
+          <a:ext cx="0" cy="0"/>
+          <a:chOff x="0" y="0"/>
+          <a:chExt cx="0" cy="0"/>
+        </a:xfrm>
+      </p:grpSpPr>
+      <p:sp>
+        <p:nvSpPr>
+          <p:cNvPr id="97" name="Google Shape;97;p2:notes"/>
+          <p:cNvSpPr txBox="1">
+            <a:spLocks noGrp="1"/>
+          </p:cNvSpPr>
+          <p:nvPr>
+            <p:ph type="body" idx="1"/>
+          </p:nvPr>
+        </p:nvSpPr>
+        <p:spPr>
+          <a:xfrm>
+            <a:off x="685800" y="4400550"/>
+            <a:ext cx="5486400" cy="3600450"/>
+          </a:xfrm>
+          <a:prstGeom prst="rect">
+            <a:avLst/>
+          </a:prstGeom>
+        </p:spPr>
+        <p:txBody>
+          <a:bodyPr spcFirstLastPara="1" wrap="square" lIns="91425" tIns="45700" rIns="91425" bIns="45700" anchor="t" anchorCtr="0">
+            <a:noAutofit/>
+          </a:bodyPr>
+          <a:lstStyle/>
+          <a:p>
+            <a:pPr marL="0" lvl="0" indent="0" algn="l" rtl="0">
+              <a:spcBef>
+                <a:spcPts val="0"/>
+              </a:spcBef>
+              <a:spcAft>
+                <a:spcPts val="0"/>
+              </a:spcAft>
+              <a:buNone/>
+            </a:pPr>
+            <a:endParaRPr/>
+          </a:p>
+        </p:txBody>
+      </p:sp>
+      <p:sp>
+        <p:nvSpPr>
+          <p:cNvPr id="98" name="Google Shape;98;p2:notes"/>
+          <p:cNvSpPr>
+            <a:spLocks noGrp="1" noRot="1" noChangeAspect="1"/>
+          </p:cNvSpPr>
+          <p:nvPr>
+            <p:ph type="sldImg" idx="2"/>
+          </p:nvPr>
+        </p:nvSpPr>
+        <p:spPr>
+          <a:xfrm>
+            <a:off x="685800" y="1143000"/>
+            <a:ext cx="5486400" cy="3086100"/>
+          </a:xfrm>
+          <a:custGeom>
+            <a:avLst/>
+            <a:gdLst/>
+            <a:ahLst/>
+            <a:cxnLst/>
+            <a:rect l="l" t="t" r="r" b="b"/>
+            <a:pathLst>
+              <a:path w="120000" h="120000" extrusionOk="0">
+                <a:moveTo>
+                  <a:pt x="0" y="0"/>
+                </a:moveTo>
+                <a:lnTo>
+                  <a:pt x="120000" y="0"/>
+                </a:lnTo>
+                <a:lnTo>
+                  <a:pt x="120000" y="120000"/>
+                </a:lnTo>
+                <a:lnTo>
+                  <a:pt x="0" y="120000"/>
+                </a:lnTo>
+                <a:close/>
+              </a:path>
+            </a:pathLst>
+          </a:custGeom>
+        </p:spPr>
+      </p:sp>
+    </p:spTree>
+    <p:extLst>
+      <p:ext uri="{BB962C8B-B14F-4D97-AF65-F5344CB8AC3E}">
+        <p14:creationId xmlns:p14="http://schemas.microsoft.com/office/powerpoint/2010/main" val="40893176"/>
+      </p:ext>
+    </p:extLst>
+  </p:cSld>
+  <p:clrMapOvr>
+    <a:masterClrMapping/>
+  </p:clrMapOvr>
+</p:notes>
+</file>
+
+<file path=ppt/notesSlides/notesSlide20.xml><?xml version="1.0" encoding="utf-8"?>
 <p:notes xmlns:a="http://schemas.openxmlformats.org/drawingml/2006/main" xmlns:r="http://schemas.openxmlformats.org/officeDocument/2006/relationships" xmlns:p="http://schemas.openxmlformats.org/presentationml/2006/main" showMasterSp="0" showMasterPhAnim="0">
   <p:cSld>
     <p:spTree>
@@ -2400,115 +2949,6 @@
     <p:extLst>
       <p:ext uri="{BB962C8B-B14F-4D97-AF65-F5344CB8AC3E}">
         <p14:creationId xmlns:p14="http://schemas.microsoft.com/office/powerpoint/2010/main" val="1418402849"/>
-      </p:ext>
-    </p:extLst>
-  </p:cSld>
-  <p:clrMapOvr>
-    <a:masterClrMapping/>
-  </p:clrMapOvr>
-</p:notes>
-</file>
-
-<file path=ppt/notesSlides/notesSlide2.xml><?xml version="1.0" encoding="utf-8"?>
-<p:notes xmlns:a="http://schemas.openxmlformats.org/drawingml/2006/main" xmlns:r="http://schemas.openxmlformats.org/officeDocument/2006/relationships" xmlns:p="http://schemas.openxmlformats.org/presentationml/2006/main" showMasterSp="0" showMasterPhAnim="0">
-  <p:cSld>
-    <p:spTree>
-      <p:nvGrpSpPr>
-        <p:cNvPr id="1" name="Shape 96"/>
-        <p:cNvGrpSpPr/>
-        <p:nvPr/>
-      </p:nvGrpSpPr>
-      <p:grpSpPr>
-        <a:xfrm>
-          <a:off x="0" y="0"/>
-          <a:ext cx="0" cy="0"/>
-          <a:chOff x="0" y="0"/>
-          <a:chExt cx="0" cy="0"/>
-        </a:xfrm>
-      </p:grpSpPr>
-      <p:sp>
-        <p:nvSpPr>
-          <p:cNvPr id="97" name="Google Shape;97;p2:notes"/>
-          <p:cNvSpPr txBox="1">
-            <a:spLocks noGrp="1"/>
-          </p:cNvSpPr>
-          <p:nvPr>
-            <p:ph type="body" idx="1"/>
-          </p:nvPr>
-        </p:nvSpPr>
-        <p:spPr>
-          <a:xfrm>
-            <a:off x="685800" y="4400550"/>
-            <a:ext cx="5486400" cy="3600450"/>
-          </a:xfrm>
-          <a:prstGeom prst="rect">
-            <a:avLst/>
-          </a:prstGeom>
-        </p:spPr>
-        <p:txBody>
-          <a:bodyPr spcFirstLastPara="1" wrap="square" lIns="91425" tIns="45700" rIns="91425" bIns="45700" anchor="t" anchorCtr="0">
-            <a:noAutofit/>
-          </a:bodyPr>
-          <a:lstStyle/>
-          <a:p>
-            <a:pPr marL="0" lvl="0" indent="0" algn="l" rtl="0">
-              <a:spcBef>
-                <a:spcPts val="0"/>
-              </a:spcBef>
-              <a:spcAft>
-                <a:spcPts val="0"/>
-              </a:spcAft>
-              <a:buNone/>
-            </a:pPr>
-            <a:endParaRPr/>
-          </a:p>
-        </p:txBody>
-      </p:sp>
-      <p:sp>
-        <p:nvSpPr>
-          <p:cNvPr id="98" name="Google Shape;98;p2:notes"/>
-          <p:cNvSpPr>
-            <a:spLocks noGrp="1" noRot="1" noChangeAspect="1"/>
-          </p:cNvSpPr>
-          <p:nvPr>
-            <p:ph type="sldImg" idx="2"/>
-          </p:nvPr>
-        </p:nvSpPr>
-        <p:spPr>
-          <a:xfrm>
-            <a:off x="685800" y="1143000"/>
-            <a:ext cx="5486400" cy="3086100"/>
-          </a:xfrm>
-          <a:custGeom>
-            <a:avLst/>
-            <a:gdLst/>
-            <a:ahLst/>
-            <a:cxnLst/>
-            <a:rect l="l" t="t" r="r" b="b"/>
-            <a:pathLst>
-              <a:path w="120000" h="120000" extrusionOk="0">
-                <a:moveTo>
-                  <a:pt x="0" y="0"/>
-                </a:moveTo>
-                <a:lnTo>
-                  <a:pt x="120000" y="0"/>
-                </a:lnTo>
-                <a:lnTo>
-                  <a:pt x="120000" y="120000"/>
-                </a:lnTo>
-                <a:lnTo>
-                  <a:pt x="0" y="120000"/>
-                </a:lnTo>
-                <a:close/>
-              </a:path>
-            </a:pathLst>
-          </a:custGeom>
-        </p:spPr>
-      </p:sp>
-    </p:spTree>
-    <p:extLst>
-      <p:ext uri="{BB962C8B-B14F-4D97-AF65-F5344CB8AC3E}">
-        <p14:creationId xmlns:p14="http://schemas.microsoft.com/office/powerpoint/2010/main" val="40893176"/>
       </p:ext>
     </p:extLst>
   </p:cSld>
@@ -2835,7 +3275,7 @@
     </p:spTree>
     <p:extLst>
       <p:ext uri="{BB962C8B-B14F-4D97-AF65-F5344CB8AC3E}">
-        <p14:creationId xmlns:p14="http://schemas.microsoft.com/office/powerpoint/2010/main" val="3690359554"/>
+        <p14:creationId xmlns:p14="http://schemas.microsoft.com/office/powerpoint/2010/main" val="159513052"/>
       </p:ext>
     </p:extLst>
   </p:cSld>
@@ -2944,7 +3384,7 @@
     </p:spTree>
     <p:extLst>
       <p:ext uri="{BB962C8B-B14F-4D97-AF65-F5344CB8AC3E}">
-        <p14:creationId xmlns:p14="http://schemas.microsoft.com/office/powerpoint/2010/main" val="4131366876"/>
+        <p14:creationId xmlns:p14="http://schemas.microsoft.com/office/powerpoint/2010/main" val="3690359554"/>
       </p:ext>
     </p:extLst>
   </p:cSld>
@@ -3053,7 +3493,7 @@
     </p:spTree>
     <p:extLst>
       <p:ext uri="{BB962C8B-B14F-4D97-AF65-F5344CB8AC3E}">
-        <p14:creationId xmlns:p14="http://schemas.microsoft.com/office/powerpoint/2010/main" val="1308970998"/>
+        <p14:creationId xmlns:p14="http://schemas.microsoft.com/office/powerpoint/2010/main" val="1893061011"/>
       </p:ext>
     </p:extLst>
   </p:cSld>
@@ -3162,7 +3602,7 @@
     </p:spTree>
     <p:extLst>
       <p:ext uri="{BB962C8B-B14F-4D97-AF65-F5344CB8AC3E}">
-        <p14:creationId xmlns:p14="http://schemas.microsoft.com/office/powerpoint/2010/main" val="3554433548"/>
+        <p14:creationId xmlns:p14="http://schemas.microsoft.com/office/powerpoint/2010/main" val="2699576051"/>
       </p:ext>
     </p:extLst>
   </p:cSld>
@@ -3271,7 +3711,7 @@
     </p:spTree>
     <p:extLst>
       <p:ext uri="{BB962C8B-B14F-4D97-AF65-F5344CB8AC3E}">
-        <p14:creationId xmlns:p14="http://schemas.microsoft.com/office/powerpoint/2010/main" val="1520708554"/>
+        <p14:creationId xmlns:p14="http://schemas.microsoft.com/office/powerpoint/2010/main" val="3289882166"/>
       </p:ext>
     </p:extLst>
   </p:cSld>
@@ -13814,18 +14254,18 @@
               <a:buNone/>
             </a:pPr>
             <a:r>
-              <a:rPr lang="en-US" sz="4800" dirty="0" smtClean="0"/>
+              <a:rPr lang="en-US" sz="4800" dirty="0"/>
               <a:t>Life is short,</a:t>
             </a:r>
             <a:br>
-              <a:rPr lang="en-US" sz="4800" dirty="0" smtClean="0"/>
+              <a:rPr lang="en-US" sz="4800" dirty="0"/>
             </a:br>
             <a:r>
-              <a:rPr lang="en-US" sz="4800" dirty="0" smtClean="0"/>
+              <a:rPr lang="en-US" sz="4800" dirty="0"/>
               <a:t>Use </a:t>
             </a:r>
             <a:r>
-              <a:rPr lang="en-US" sz="4800" dirty="0" err="1" smtClean="0">
+              <a:rPr lang="en-US" sz="4800" dirty="0" err="1">
                 <a:solidFill>
                   <a:srgbClr val="1E4E79"/>
                 </a:solidFill>
@@ -14033,7 +14473,7 @@
               <a:buNone/>
             </a:pPr>
             <a:r>
-              <a:rPr lang="en-US" sz="1800" b="0" i="0" u="none" strike="noStrike" cap="none" dirty="0" smtClean="0">
+              <a:rPr lang="en-US" sz="1800" b="0" i="0" u="none" strike="noStrike" cap="none" dirty="0">
                 <a:solidFill>
                   <a:schemeClr val="dk1"/>
                 </a:solidFill>
@@ -14064,7 +14504,7 @@
               <a:buNone/>
             </a:pPr>
             <a:r>
-              <a:rPr lang="en-US" sz="1800" b="0" i="0" u="none" strike="noStrike" cap="none" dirty="0" err="1" smtClean="0">
+              <a:rPr lang="en-US" sz="1800" b="0" i="0" u="none" strike="noStrike" cap="none" dirty="0" err="1">
                 <a:solidFill>
                   <a:schemeClr val="dk1"/>
                 </a:solidFill>
@@ -14075,7 +14515,7 @@
               </a:rPr>
               <a:t>진주성</a:t>
             </a:r>
-            <a:endParaRPr lang="en-US" sz="1800" b="0" i="0" u="none" strike="noStrike" cap="none" dirty="0" smtClean="0">
+            <a:endParaRPr lang="en-US" sz="1800" b="0" i="0" u="none" strike="noStrike" cap="none" dirty="0">
               <a:solidFill>
                 <a:schemeClr val="dk1"/>
               </a:solidFill>
@@ -14101,7 +14541,7 @@
               <a:buNone/>
             </a:pPr>
             <a:r>
-              <a:rPr lang="en-US" sz="1400" b="0" i="0" u="none" strike="noStrike" cap="none" dirty="0" smtClean="0">
+              <a:rPr lang="en-US" sz="1400" b="0" i="0" u="none" strike="noStrike" cap="none" dirty="0">
                 <a:solidFill>
                   <a:schemeClr val="dk1"/>
                 </a:solidFill>
@@ -14175,13 +14615,6 @@
   <p:clrMapOvr>
     <a:masterClrMapping/>
   </p:clrMapOvr>
-  <p:timing>
-    <p:tnLst>
-      <p:par>
-        <p:cTn id="1" dur="indefinite" restart="never" nodeType="tmRoot"/>
-      </p:par>
-    </p:tnLst>
-  </p:timing>
 </p:sld>
 </file>
 
@@ -14244,6 +14677,18 @@
               </a:spcAft>
               <a:buNone/>
             </a:pPr>
+            <a:r>
+              <a:rPr lang="ko-KR" altLang="en-US" sz="2400" b="1" dirty="0">
+                <a:solidFill>
+                  <a:schemeClr val="lt1"/>
+                </a:solidFill>
+                <a:latin typeface="Malgun Gothic"/>
+                <a:ea typeface="Malgun Gothic"/>
+                <a:cs typeface="Malgun Gothic"/>
+                <a:sym typeface="Malgun Gothic"/>
+              </a:rPr>
+              <a:t>태그 기능</a:t>
+            </a:r>
             <a:endParaRPr sz="2400" b="1" dirty="0">
               <a:solidFill>
                 <a:schemeClr val="lt1"/>
@@ -14359,20 +14804,13 @@
     </p:spTree>
     <p:extLst>
       <p:ext uri="{BB962C8B-B14F-4D97-AF65-F5344CB8AC3E}">
-        <p14:creationId xmlns:p14="http://schemas.microsoft.com/office/powerpoint/2010/main" val="588160636"/>
+        <p14:creationId xmlns:p14="http://schemas.microsoft.com/office/powerpoint/2010/main" val="3092265240"/>
       </p:ext>
     </p:extLst>
   </p:cSld>
   <p:clrMapOvr>
     <a:masterClrMapping/>
   </p:clrMapOvr>
-  <p:timing>
-    <p:tnLst>
-      <p:par>
-        <p:cTn id="1" dur="indefinite" restart="never" nodeType="tmRoot"/>
-      </p:par>
-    </p:tnLst>
-  </p:timing>
 </p:sld>
 </file>
 
@@ -14435,6 +14873,30 @@
               </a:spcAft>
               <a:buNone/>
             </a:pPr>
+            <a:r>
+              <a:rPr lang="ko-KR" altLang="en-US" sz="2400" b="1" dirty="0">
+                <a:solidFill>
+                  <a:schemeClr val="lt1"/>
+                </a:solidFill>
+                <a:latin typeface="Malgun Gothic"/>
+                <a:ea typeface="Malgun Gothic"/>
+                <a:cs typeface="Malgun Gothic"/>
+                <a:sym typeface="Malgun Gothic"/>
+              </a:rPr>
+              <a:t>사진 </a:t>
+            </a:r>
+            <a:r>
+              <a:rPr lang="ko-KR" altLang="en-US" sz="2400" b="1" dirty="0" err="1">
+                <a:solidFill>
+                  <a:schemeClr val="lt1"/>
+                </a:solidFill>
+                <a:latin typeface="Malgun Gothic"/>
+                <a:ea typeface="Malgun Gothic"/>
+                <a:cs typeface="Malgun Gothic"/>
+                <a:sym typeface="Malgun Gothic"/>
+              </a:rPr>
+              <a:t>서치</a:t>
+            </a:r>
             <a:endParaRPr sz="2400" b="1" dirty="0">
               <a:solidFill>
                 <a:schemeClr val="lt1"/>
@@ -14550,20 +15012,13 @@
     </p:spTree>
     <p:extLst>
       <p:ext uri="{BB962C8B-B14F-4D97-AF65-F5344CB8AC3E}">
-        <p14:creationId xmlns:p14="http://schemas.microsoft.com/office/powerpoint/2010/main" val="3478350278"/>
+        <p14:creationId xmlns:p14="http://schemas.microsoft.com/office/powerpoint/2010/main" val="3733455717"/>
       </p:ext>
     </p:extLst>
   </p:cSld>
   <p:clrMapOvr>
     <a:masterClrMapping/>
   </p:clrMapOvr>
-  <p:timing>
-    <p:tnLst>
-      <p:par>
-        <p:cTn id="1" dur="indefinite" restart="never" nodeType="tmRoot"/>
-      </p:par>
-    </p:tnLst>
-  </p:timing>
 </p:sld>
 </file>
 
@@ -14626,6 +15081,30 @@
               </a:spcAft>
               <a:buNone/>
             </a:pPr>
+            <a:r>
+              <a:rPr lang="ko-KR" altLang="en-US" sz="2400" b="1" dirty="0">
+                <a:solidFill>
+                  <a:schemeClr val="lt1"/>
+                </a:solidFill>
+                <a:latin typeface="Malgun Gothic"/>
+                <a:ea typeface="Malgun Gothic"/>
+                <a:cs typeface="Malgun Gothic"/>
+                <a:sym typeface="Malgun Gothic"/>
+              </a:rPr>
+              <a:t>이미지 </a:t>
+            </a:r>
+            <a:r>
+              <a:rPr lang="ko-KR" altLang="en-US" sz="2400" b="1" dirty="0" err="1">
+                <a:solidFill>
+                  <a:schemeClr val="lt1"/>
+                </a:solidFill>
+                <a:latin typeface="Malgun Gothic"/>
+                <a:ea typeface="Malgun Gothic"/>
+                <a:cs typeface="Malgun Gothic"/>
+                <a:sym typeface="Malgun Gothic"/>
+              </a:rPr>
+              <a:t>크롤링</a:t>
+            </a:r>
             <a:endParaRPr sz="2400" b="1" dirty="0">
               <a:solidFill>
                 <a:schemeClr val="lt1"/>
@@ -14741,20 +15220,13 @@
     </p:spTree>
     <p:extLst>
       <p:ext uri="{BB962C8B-B14F-4D97-AF65-F5344CB8AC3E}">
-        <p14:creationId xmlns:p14="http://schemas.microsoft.com/office/powerpoint/2010/main" val="3044063296"/>
+        <p14:creationId xmlns:p14="http://schemas.microsoft.com/office/powerpoint/2010/main" val="2058655785"/>
       </p:ext>
     </p:extLst>
   </p:cSld>
   <p:clrMapOvr>
     <a:masterClrMapping/>
   </p:clrMapOvr>
-  <p:timing>
-    <p:tnLst>
-      <p:par>
-        <p:cTn id="1" dur="indefinite" restart="never" nodeType="tmRoot"/>
-      </p:par>
-    </p:tnLst>
-  </p:timing>
 </p:sld>
 </file>
 
@@ -14932,20 +15404,13 @@
     </p:spTree>
     <p:extLst>
       <p:ext uri="{BB962C8B-B14F-4D97-AF65-F5344CB8AC3E}">
-        <p14:creationId xmlns:p14="http://schemas.microsoft.com/office/powerpoint/2010/main" val="3622285308"/>
+        <p14:creationId xmlns:p14="http://schemas.microsoft.com/office/powerpoint/2010/main" val="2554805668"/>
       </p:ext>
     </p:extLst>
   </p:cSld>
   <p:clrMapOvr>
     <a:masterClrMapping/>
   </p:clrMapOvr>
-  <p:timing>
-    <p:tnLst>
-      <p:par>
-        <p:cTn id="1" dur="indefinite" restart="never" nodeType="tmRoot"/>
-      </p:par>
-    </p:tnLst>
-  </p:timing>
 </p:sld>
 </file>
 
@@ -15123,20 +15588,13 @@
     </p:spTree>
     <p:extLst>
       <p:ext uri="{BB962C8B-B14F-4D97-AF65-F5344CB8AC3E}">
-        <p14:creationId xmlns:p14="http://schemas.microsoft.com/office/powerpoint/2010/main" val="3308314739"/>
+        <p14:creationId xmlns:p14="http://schemas.microsoft.com/office/powerpoint/2010/main" val="588160636"/>
       </p:ext>
     </p:extLst>
   </p:cSld>
   <p:clrMapOvr>
     <a:masterClrMapping/>
   </p:clrMapOvr>
-  <p:timing>
-    <p:tnLst>
-      <p:par>
-        <p:cTn id="1" dur="indefinite" restart="never" nodeType="tmRoot"/>
-      </p:par>
-    </p:tnLst>
-  </p:timing>
 </p:sld>
 </file>
 
@@ -15314,20 +15772,13 @@
     </p:spTree>
     <p:extLst>
       <p:ext uri="{BB962C8B-B14F-4D97-AF65-F5344CB8AC3E}">
-        <p14:creationId xmlns:p14="http://schemas.microsoft.com/office/powerpoint/2010/main" val="2937271083"/>
+        <p14:creationId xmlns:p14="http://schemas.microsoft.com/office/powerpoint/2010/main" val="3478350278"/>
       </p:ext>
     </p:extLst>
   </p:cSld>
   <p:clrMapOvr>
     <a:masterClrMapping/>
   </p:clrMapOvr>
-  <p:timing>
-    <p:tnLst>
-      <p:par>
-        <p:cTn id="1" dur="indefinite" restart="never" nodeType="tmRoot"/>
-      </p:par>
-    </p:tnLst>
-  </p:timing>
 </p:sld>
 </file>
 
@@ -15336,7 +15787,7 @@
   <p:cSld>
     <p:spTree>
       <p:nvGrpSpPr>
-        <p:cNvPr id="1" name="Shape 187"/>
+        <p:cNvPr id="1" name="Shape 99"/>
         <p:cNvGrpSpPr/>
         <p:nvPr/>
       </p:nvGrpSpPr>
@@ -15350,7 +15801,7 @@
       </p:grpSpPr>
       <p:sp>
         <p:nvSpPr>
-          <p:cNvPr id="188" name="Google Shape;188;p10"/>
+          <p:cNvPr id="100" name="Google Shape;100;p2"/>
           <p:cNvSpPr/>
           <p:nvPr/>
         </p:nvSpPr>
@@ -15390,7 +15841,7 @@
               </a:spcAft>
               <a:buNone/>
             </a:pPr>
-            <a:endParaRPr sz="2400" b="1">
+            <a:endParaRPr sz="2400" b="1" dirty="0">
               <a:solidFill>
                 <a:schemeClr val="lt1"/>
               </a:solidFill>
@@ -15404,7 +15855,7 @@
       </p:sp>
       <p:sp>
         <p:nvSpPr>
-          <p:cNvPr id="189" name="Google Shape;189;p10"/>
+          <p:cNvPr id="101" name="Google Shape;101;p2"/>
           <p:cNvSpPr/>
           <p:nvPr/>
         </p:nvSpPr>
@@ -15458,7 +15909,7 @@
       </p:sp>
       <p:sp>
         <p:nvSpPr>
-          <p:cNvPr id="190" name="Google Shape;190;p10"/>
+          <p:cNvPr id="102" name="Google Shape;102;p2"/>
           <p:cNvSpPr txBox="1">
             <a:spLocks noGrp="1"/>
           </p:cNvSpPr>
@@ -15502,20 +15953,158 @@
           </a:p>
         </p:txBody>
       </p:sp>
+    </p:spTree>
+    <p:extLst>
+      <p:ext uri="{BB962C8B-B14F-4D97-AF65-F5344CB8AC3E}">
+        <p14:creationId xmlns:p14="http://schemas.microsoft.com/office/powerpoint/2010/main" val="3044063296"/>
+      </p:ext>
+    </p:extLst>
+  </p:cSld>
+  <p:clrMapOvr>
+    <a:masterClrMapping/>
+  </p:clrMapOvr>
+</p:sld>
+</file>
+
+<file path=ppt/slides/slide17.xml><?xml version="1.0" encoding="utf-8"?>
+<p:sld xmlns:a="http://schemas.openxmlformats.org/drawingml/2006/main" xmlns:r="http://schemas.openxmlformats.org/officeDocument/2006/relationships" xmlns:p="http://schemas.openxmlformats.org/presentationml/2006/main">
+  <p:cSld>
+    <p:spTree>
+      <p:nvGrpSpPr>
+        <p:cNvPr id="1" name="Shape 99"/>
+        <p:cNvGrpSpPr/>
+        <p:nvPr/>
+      </p:nvGrpSpPr>
+      <p:grpSpPr>
+        <a:xfrm>
+          <a:off x="0" y="0"/>
+          <a:ext cx="0" cy="0"/>
+          <a:chOff x="0" y="0"/>
+          <a:chExt cx="0" cy="0"/>
+        </a:xfrm>
+      </p:grpSpPr>
       <p:sp>
         <p:nvSpPr>
-          <p:cNvPr id="191" name="Google Shape;191;p10"/>
+          <p:cNvPr id="100" name="Google Shape;100;p2"/>
+          <p:cNvSpPr/>
+          <p:nvPr/>
+        </p:nvSpPr>
+        <p:spPr>
+          <a:xfrm>
+            <a:off x="512466" y="365125"/>
+            <a:ext cx="11143622" cy="740194"/>
+          </a:xfrm>
+          <a:prstGeom prst="rect">
+            <a:avLst/>
+          </a:prstGeom>
+          <a:solidFill>
+            <a:srgbClr val="1E4E79"/>
+          </a:solidFill>
+          <a:ln w="12700" cap="flat" cmpd="sng">
+            <a:solidFill>
+              <a:srgbClr val="1E4E79"/>
+            </a:solidFill>
+            <a:prstDash val="solid"/>
+            <a:miter lim="800000"/>
+            <a:headEnd type="none" w="sm" len="sm"/>
+            <a:tailEnd type="none" w="sm" len="sm"/>
+          </a:ln>
+        </p:spPr>
+        <p:txBody>
+          <a:bodyPr spcFirstLastPara="1" wrap="square" lIns="91425" tIns="45700" rIns="91425" bIns="45700" anchor="ctr" anchorCtr="0">
+            <a:noAutofit/>
+          </a:bodyPr>
+          <a:lstStyle/>
+          <a:p>
+            <a:pPr marL="0" marR="0" lvl="0" indent="0" algn="l" rtl="0">
+              <a:spcBef>
+                <a:spcPts val="0"/>
+              </a:spcBef>
+              <a:spcAft>
+                <a:spcPts val="0"/>
+              </a:spcAft>
+              <a:buNone/>
+            </a:pPr>
+            <a:endParaRPr sz="2400" b="1" dirty="0">
+              <a:solidFill>
+                <a:schemeClr val="lt1"/>
+              </a:solidFill>
+              <a:latin typeface="Malgun Gothic"/>
+              <a:ea typeface="Malgun Gothic"/>
+              <a:cs typeface="Malgun Gothic"/>
+              <a:sym typeface="Malgun Gothic"/>
+            </a:endParaRPr>
+          </a:p>
+        </p:txBody>
+      </p:sp>
+      <p:sp>
+        <p:nvSpPr>
+          <p:cNvPr id="101" name="Google Shape;101;p2"/>
+          <p:cNvSpPr/>
+          <p:nvPr/>
+        </p:nvSpPr>
+        <p:spPr>
+          <a:xfrm>
+            <a:off x="512466" y="6260985"/>
+            <a:ext cx="11143622" cy="133403"/>
+          </a:xfrm>
+          <a:prstGeom prst="rect">
+            <a:avLst/>
+          </a:prstGeom>
+          <a:solidFill>
+            <a:srgbClr val="1E4E79"/>
+          </a:solidFill>
+          <a:ln w="12700" cap="flat" cmpd="sng">
+            <a:solidFill>
+              <a:srgbClr val="1E4E79"/>
+            </a:solidFill>
+            <a:prstDash val="solid"/>
+            <a:miter lim="800000"/>
+            <a:headEnd type="none" w="sm" len="sm"/>
+            <a:tailEnd type="none" w="sm" len="sm"/>
+          </a:ln>
+        </p:spPr>
+        <p:txBody>
+          <a:bodyPr spcFirstLastPara="1" wrap="square" lIns="91425" tIns="45700" rIns="91425" bIns="45700" anchor="ctr" anchorCtr="0">
+            <a:noAutofit/>
+          </a:bodyPr>
+          <a:lstStyle/>
+          <a:p>
+            <a:pPr marL="0" marR="0" lvl="0" indent="0" algn="ctr" rtl="0">
+              <a:spcBef>
+                <a:spcPts val="0"/>
+              </a:spcBef>
+              <a:spcAft>
+                <a:spcPts val="0"/>
+              </a:spcAft>
+              <a:buNone/>
+            </a:pPr>
+            <a:endParaRPr sz="1800">
+              <a:solidFill>
+                <a:schemeClr val="lt1"/>
+              </a:solidFill>
+              <a:latin typeface="Malgun Gothic"/>
+              <a:ea typeface="Malgun Gothic"/>
+              <a:cs typeface="Malgun Gothic"/>
+              <a:sym typeface="Malgun Gothic"/>
+            </a:endParaRPr>
+          </a:p>
+        </p:txBody>
+      </p:sp>
+      <p:sp>
+        <p:nvSpPr>
+          <p:cNvPr id="102" name="Google Shape;102;p2"/>
           <p:cNvSpPr txBox="1">
             <a:spLocks noGrp="1"/>
           </p:cNvSpPr>
           <p:nvPr>
-            <p:ph type="body" idx="1"/>
+            <p:ph type="sldNum" idx="12"/>
           </p:nvPr>
         </p:nvSpPr>
         <p:spPr>
           <a:xfrm>
-            <a:off x="5273526" y="3157932"/>
-            <a:ext cx="1644948" cy="542136"/>
+            <a:off x="8610600" y="6356350"/>
+            <a:ext cx="2743200" cy="365125"/>
           </a:xfrm>
           <a:prstGeom prst="rect">
             <a:avLst/>
@@ -15526,52 +16115,406 @@
           </a:ln>
         </p:spPr>
         <p:txBody>
-          <a:bodyPr spcFirstLastPara="1" wrap="square" lIns="91425" tIns="45700" rIns="91425" bIns="45700" anchor="t" anchorCtr="0">
-            <a:normAutofit lnSpcReduction="10000"/>
+          <a:bodyPr spcFirstLastPara="1" wrap="square" lIns="91425" tIns="45700" rIns="91425" bIns="45700" anchor="ctr" anchorCtr="0">
+            <a:noAutofit/>
           </a:bodyPr>
           <a:lstStyle/>
           <a:p>
-            <a:pPr marL="0" lvl="0" indent="0" algn="l" rtl="0">
-              <a:lnSpc>
-                <a:spcPct val="90000"/>
-              </a:lnSpc>
-              <a:spcBef>
-                <a:spcPts val="0"/>
-              </a:spcBef>
-              <a:spcAft>
-                <a:spcPts val="0"/>
-              </a:spcAft>
-              <a:buClr>
-                <a:schemeClr val="dk1"/>
-              </a:buClr>
-              <a:buSzPts val="3600"/>
+            <a:pPr marL="0" lvl="0" indent="0" algn="r" rtl="0">
+              <a:spcBef>
+                <a:spcPts val="0"/>
+              </a:spcBef>
+              <a:spcAft>
+                <a:spcPts val="0"/>
+              </a:spcAft>
               <a:buNone/>
             </a:pPr>
-            <a:r>
-              <a:rPr lang="en-US" sz="3600"/>
-              <a:t>Thanks</a:t>
-            </a:r>
-            <a:endParaRPr sz="2000"/>
+            <a:fld id="{00000000-1234-1234-1234-123412341234}" type="slidenum">
+              <a:rPr lang="en-US"/>
+              <a:t>17</a:t>
+            </a:fld>
+            <a:endParaRPr/>
           </a:p>
         </p:txBody>
       </p:sp>
     </p:spTree>
     <p:extLst>
       <p:ext uri="{BB962C8B-B14F-4D97-AF65-F5344CB8AC3E}">
-        <p14:creationId xmlns:p14="http://schemas.microsoft.com/office/powerpoint/2010/main" val="200170191"/>
+        <p14:creationId xmlns:p14="http://schemas.microsoft.com/office/powerpoint/2010/main" val="3622285308"/>
       </p:ext>
     </p:extLst>
   </p:cSld>
   <p:clrMapOvr>
     <a:masterClrMapping/>
   </p:clrMapOvr>
-  <p:timing>
-    <p:tnLst>
-      <p:par>
-        <p:cTn id="1" dur="indefinite" restart="never" nodeType="tmRoot"/>
-      </p:par>
-    </p:tnLst>
-  </p:timing>
+</p:sld>
+</file>
+
+<file path=ppt/slides/slide18.xml><?xml version="1.0" encoding="utf-8"?>
+<p:sld xmlns:a="http://schemas.openxmlformats.org/drawingml/2006/main" xmlns:r="http://schemas.openxmlformats.org/officeDocument/2006/relationships" xmlns:p="http://schemas.openxmlformats.org/presentationml/2006/main">
+  <p:cSld>
+    <p:spTree>
+      <p:nvGrpSpPr>
+        <p:cNvPr id="1" name="Shape 99"/>
+        <p:cNvGrpSpPr/>
+        <p:nvPr/>
+      </p:nvGrpSpPr>
+      <p:grpSpPr>
+        <a:xfrm>
+          <a:off x="0" y="0"/>
+          <a:ext cx="0" cy="0"/>
+          <a:chOff x="0" y="0"/>
+          <a:chExt cx="0" cy="0"/>
+        </a:xfrm>
+      </p:grpSpPr>
+      <p:sp>
+        <p:nvSpPr>
+          <p:cNvPr id="100" name="Google Shape;100;p2"/>
+          <p:cNvSpPr/>
+          <p:nvPr/>
+        </p:nvSpPr>
+        <p:spPr>
+          <a:xfrm>
+            <a:off x="512466" y="365125"/>
+            <a:ext cx="11143622" cy="740194"/>
+          </a:xfrm>
+          <a:prstGeom prst="rect">
+            <a:avLst/>
+          </a:prstGeom>
+          <a:solidFill>
+            <a:srgbClr val="1E4E79"/>
+          </a:solidFill>
+          <a:ln w="12700" cap="flat" cmpd="sng">
+            <a:solidFill>
+              <a:srgbClr val="1E4E79"/>
+            </a:solidFill>
+            <a:prstDash val="solid"/>
+            <a:miter lim="800000"/>
+            <a:headEnd type="none" w="sm" len="sm"/>
+            <a:tailEnd type="none" w="sm" len="sm"/>
+          </a:ln>
+        </p:spPr>
+        <p:txBody>
+          <a:bodyPr spcFirstLastPara="1" wrap="square" lIns="91425" tIns="45700" rIns="91425" bIns="45700" anchor="ctr" anchorCtr="0">
+            <a:noAutofit/>
+          </a:bodyPr>
+          <a:lstStyle/>
+          <a:p>
+            <a:pPr marL="0" marR="0" lvl="0" indent="0" algn="l" rtl="0">
+              <a:spcBef>
+                <a:spcPts val="0"/>
+              </a:spcBef>
+              <a:spcAft>
+                <a:spcPts val="0"/>
+              </a:spcAft>
+              <a:buNone/>
+            </a:pPr>
+            <a:endParaRPr sz="2400" b="1" dirty="0">
+              <a:solidFill>
+                <a:schemeClr val="lt1"/>
+              </a:solidFill>
+              <a:latin typeface="Malgun Gothic"/>
+              <a:ea typeface="Malgun Gothic"/>
+              <a:cs typeface="Malgun Gothic"/>
+              <a:sym typeface="Malgun Gothic"/>
+            </a:endParaRPr>
+          </a:p>
+        </p:txBody>
+      </p:sp>
+      <p:sp>
+        <p:nvSpPr>
+          <p:cNvPr id="101" name="Google Shape;101;p2"/>
+          <p:cNvSpPr/>
+          <p:nvPr/>
+        </p:nvSpPr>
+        <p:spPr>
+          <a:xfrm>
+            <a:off x="512466" y="6260985"/>
+            <a:ext cx="11143622" cy="133403"/>
+          </a:xfrm>
+          <a:prstGeom prst="rect">
+            <a:avLst/>
+          </a:prstGeom>
+          <a:solidFill>
+            <a:srgbClr val="1E4E79"/>
+          </a:solidFill>
+          <a:ln w="12700" cap="flat" cmpd="sng">
+            <a:solidFill>
+              <a:srgbClr val="1E4E79"/>
+            </a:solidFill>
+            <a:prstDash val="solid"/>
+            <a:miter lim="800000"/>
+            <a:headEnd type="none" w="sm" len="sm"/>
+            <a:tailEnd type="none" w="sm" len="sm"/>
+          </a:ln>
+        </p:spPr>
+        <p:txBody>
+          <a:bodyPr spcFirstLastPara="1" wrap="square" lIns="91425" tIns="45700" rIns="91425" bIns="45700" anchor="ctr" anchorCtr="0">
+            <a:noAutofit/>
+          </a:bodyPr>
+          <a:lstStyle/>
+          <a:p>
+            <a:pPr marL="0" marR="0" lvl="0" indent="0" algn="ctr" rtl="0">
+              <a:spcBef>
+                <a:spcPts val="0"/>
+              </a:spcBef>
+              <a:spcAft>
+                <a:spcPts val="0"/>
+              </a:spcAft>
+              <a:buNone/>
+            </a:pPr>
+            <a:endParaRPr sz="1800">
+              <a:solidFill>
+                <a:schemeClr val="lt1"/>
+              </a:solidFill>
+              <a:latin typeface="Malgun Gothic"/>
+              <a:ea typeface="Malgun Gothic"/>
+              <a:cs typeface="Malgun Gothic"/>
+              <a:sym typeface="Malgun Gothic"/>
+            </a:endParaRPr>
+          </a:p>
+        </p:txBody>
+      </p:sp>
+      <p:sp>
+        <p:nvSpPr>
+          <p:cNvPr id="102" name="Google Shape;102;p2"/>
+          <p:cNvSpPr txBox="1">
+            <a:spLocks noGrp="1"/>
+          </p:cNvSpPr>
+          <p:nvPr>
+            <p:ph type="sldNum" idx="12"/>
+          </p:nvPr>
+        </p:nvSpPr>
+        <p:spPr>
+          <a:xfrm>
+            <a:off x="8610600" y="6356350"/>
+            <a:ext cx="2743200" cy="365125"/>
+          </a:xfrm>
+          <a:prstGeom prst="rect">
+            <a:avLst/>
+          </a:prstGeom>
+          <a:noFill/>
+          <a:ln>
+            <a:noFill/>
+          </a:ln>
+        </p:spPr>
+        <p:txBody>
+          <a:bodyPr spcFirstLastPara="1" wrap="square" lIns="91425" tIns="45700" rIns="91425" bIns="45700" anchor="ctr" anchorCtr="0">
+            <a:noAutofit/>
+          </a:bodyPr>
+          <a:lstStyle/>
+          <a:p>
+            <a:pPr marL="0" lvl="0" indent="0" algn="r" rtl="0">
+              <a:spcBef>
+                <a:spcPts val="0"/>
+              </a:spcBef>
+              <a:spcAft>
+                <a:spcPts val="0"/>
+              </a:spcAft>
+              <a:buNone/>
+            </a:pPr>
+            <a:fld id="{00000000-1234-1234-1234-123412341234}" type="slidenum">
+              <a:rPr lang="en-US"/>
+              <a:t>18</a:t>
+            </a:fld>
+            <a:endParaRPr/>
+          </a:p>
+        </p:txBody>
+      </p:sp>
+    </p:spTree>
+    <p:extLst>
+      <p:ext uri="{BB962C8B-B14F-4D97-AF65-F5344CB8AC3E}">
+        <p14:creationId xmlns:p14="http://schemas.microsoft.com/office/powerpoint/2010/main" val="3308314739"/>
+      </p:ext>
+    </p:extLst>
+  </p:cSld>
+  <p:clrMapOvr>
+    <a:masterClrMapping/>
+  </p:clrMapOvr>
+</p:sld>
+</file>
+
+<file path=ppt/slides/slide19.xml><?xml version="1.0" encoding="utf-8"?>
+<p:sld xmlns:a="http://schemas.openxmlformats.org/drawingml/2006/main" xmlns:r="http://schemas.openxmlformats.org/officeDocument/2006/relationships" xmlns:p="http://schemas.openxmlformats.org/presentationml/2006/main">
+  <p:cSld>
+    <p:spTree>
+      <p:nvGrpSpPr>
+        <p:cNvPr id="1" name="Shape 99"/>
+        <p:cNvGrpSpPr/>
+        <p:nvPr/>
+      </p:nvGrpSpPr>
+      <p:grpSpPr>
+        <a:xfrm>
+          <a:off x="0" y="0"/>
+          <a:ext cx="0" cy="0"/>
+          <a:chOff x="0" y="0"/>
+          <a:chExt cx="0" cy="0"/>
+        </a:xfrm>
+      </p:grpSpPr>
+      <p:sp>
+        <p:nvSpPr>
+          <p:cNvPr id="100" name="Google Shape;100;p2"/>
+          <p:cNvSpPr/>
+          <p:nvPr/>
+        </p:nvSpPr>
+        <p:spPr>
+          <a:xfrm>
+            <a:off x="512466" y="365125"/>
+            <a:ext cx="11143622" cy="740194"/>
+          </a:xfrm>
+          <a:prstGeom prst="rect">
+            <a:avLst/>
+          </a:prstGeom>
+          <a:solidFill>
+            <a:srgbClr val="1E4E79"/>
+          </a:solidFill>
+          <a:ln w="12700" cap="flat" cmpd="sng">
+            <a:solidFill>
+              <a:srgbClr val="1E4E79"/>
+            </a:solidFill>
+            <a:prstDash val="solid"/>
+            <a:miter lim="800000"/>
+            <a:headEnd type="none" w="sm" len="sm"/>
+            <a:tailEnd type="none" w="sm" len="sm"/>
+          </a:ln>
+        </p:spPr>
+        <p:txBody>
+          <a:bodyPr spcFirstLastPara="1" wrap="square" lIns="91425" tIns="45700" rIns="91425" bIns="45700" anchor="ctr" anchorCtr="0">
+            <a:noAutofit/>
+          </a:bodyPr>
+          <a:lstStyle/>
+          <a:p>
+            <a:pPr marL="0" marR="0" lvl="0" indent="0" algn="l" rtl="0">
+              <a:spcBef>
+                <a:spcPts val="0"/>
+              </a:spcBef>
+              <a:spcAft>
+                <a:spcPts val="0"/>
+              </a:spcAft>
+              <a:buNone/>
+            </a:pPr>
+            <a:endParaRPr sz="2400" b="1" dirty="0">
+              <a:solidFill>
+                <a:schemeClr val="lt1"/>
+              </a:solidFill>
+              <a:latin typeface="Malgun Gothic"/>
+              <a:ea typeface="Malgun Gothic"/>
+              <a:cs typeface="Malgun Gothic"/>
+              <a:sym typeface="Malgun Gothic"/>
+            </a:endParaRPr>
+          </a:p>
+        </p:txBody>
+      </p:sp>
+      <p:sp>
+        <p:nvSpPr>
+          <p:cNvPr id="101" name="Google Shape;101;p2"/>
+          <p:cNvSpPr/>
+          <p:nvPr/>
+        </p:nvSpPr>
+        <p:spPr>
+          <a:xfrm>
+            <a:off x="512466" y="6260985"/>
+            <a:ext cx="11143622" cy="133403"/>
+          </a:xfrm>
+          <a:prstGeom prst="rect">
+            <a:avLst/>
+          </a:prstGeom>
+          <a:solidFill>
+            <a:srgbClr val="1E4E79"/>
+          </a:solidFill>
+          <a:ln w="12700" cap="flat" cmpd="sng">
+            <a:solidFill>
+              <a:srgbClr val="1E4E79"/>
+            </a:solidFill>
+            <a:prstDash val="solid"/>
+            <a:miter lim="800000"/>
+            <a:headEnd type="none" w="sm" len="sm"/>
+            <a:tailEnd type="none" w="sm" len="sm"/>
+          </a:ln>
+        </p:spPr>
+        <p:txBody>
+          <a:bodyPr spcFirstLastPara="1" wrap="square" lIns="91425" tIns="45700" rIns="91425" bIns="45700" anchor="ctr" anchorCtr="0">
+            <a:noAutofit/>
+          </a:bodyPr>
+          <a:lstStyle/>
+          <a:p>
+            <a:pPr marL="0" marR="0" lvl="0" indent="0" algn="ctr" rtl="0">
+              <a:spcBef>
+                <a:spcPts val="0"/>
+              </a:spcBef>
+              <a:spcAft>
+                <a:spcPts val="0"/>
+              </a:spcAft>
+              <a:buNone/>
+            </a:pPr>
+            <a:endParaRPr sz="1800">
+              <a:solidFill>
+                <a:schemeClr val="lt1"/>
+              </a:solidFill>
+              <a:latin typeface="Malgun Gothic"/>
+              <a:ea typeface="Malgun Gothic"/>
+              <a:cs typeface="Malgun Gothic"/>
+              <a:sym typeface="Malgun Gothic"/>
+            </a:endParaRPr>
+          </a:p>
+        </p:txBody>
+      </p:sp>
+      <p:sp>
+        <p:nvSpPr>
+          <p:cNvPr id="102" name="Google Shape;102;p2"/>
+          <p:cNvSpPr txBox="1">
+            <a:spLocks noGrp="1"/>
+          </p:cNvSpPr>
+          <p:nvPr>
+            <p:ph type="sldNum" idx="12"/>
+          </p:nvPr>
+        </p:nvSpPr>
+        <p:spPr>
+          <a:xfrm>
+            <a:off x="8610600" y="6356350"/>
+            <a:ext cx="2743200" cy="365125"/>
+          </a:xfrm>
+          <a:prstGeom prst="rect">
+            <a:avLst/>
+          </a:prstGeom>
+          <a:noFill/>
+          <a:ln>
+            <a:noFill/>
+          </a:ln>
+        </p:spPr>
+        <p:txBody>
+          <a:bodyPr spcFirstLastPara="1" wrap="square" lIns="91425" tIns="45700" rIns="91425" bIns="45700" anchor="ctr" anchorCtr="0">
+            <a:noAutofit/>
+          </a:bodyPr>
+          <a:lstStyle/>
+          <a:p>
+            <a:pPr marL="0" lvl="0" indent="0" algn="r" rtl="0">
+              <a:spcBef>
+                <a:spcPts val="0"/>
+              </a:spcBef>
+              <a:spcAft>
+                <a:spcPts val="0"/>
+              </a:spcAft>
+              <a:buNone/>
+            </a:pPr>
+            <a:fld id="{00000000-1234-1234-1234-123412341234}" type="slidenum">
+              <a:rPr lang="en-US"/>
+              <a:t>19</a:t>
+            </a:fld>
+            <a:endParaRPr/>
+          </a:p>
+        </p:txBody>
+      </p:sp>
+    </p:spTree>
+    <p:extLst>
+      <p:ext uri="{BB962C8B-B14F-4D97-AF65-F5344CB8AC3E}">
+        <p14:creationId xmlns:p14="http://schemas.microsoft.com/office/powerpoint/2010/main" val="2937271083"/>
+      </p:ext>
+    </p:extLst>
+  </p:cSld>
+  <p:clrMapOvr>
+    <a:masterClrMapping/>
+  </p:clrMapOvr>
 </p:sld>
 </file>
 
@@ -15635,7 +16578,7 @@
               <a:buNone/>
             </a:pPr>
             <a:r>
-              <a:rPr lang="en-US" sz="2400" b="1" dirty="0" smtClean="0">
+              <a:rPr lang="en-US" sz="2400" b="1" dirty="0">
                 <a:solidFill>
                   <a:schemeClr val="lt1"/>
                 </a:solidFill>
@@ -15788,7 +16731,7 @@
               <a:buChar char="•"/>
             </a:pPr>
             <a:r>
-              <a:rPr lang="en-US" altLang="ko-KR" sz="2000" dirty="0" smtClean="0"/>
+              <a:rPr lang="en-US" altLang="ko-KR" sz="2000" dirty="0"/>
               <a:t>Introduction</a:t>
             </a:r>
           </a:p>
@@ -15801,7 +16744,7 @@
               <a:buChar char="•"/>
             </a:pPr>
             <a:r>
-              <a:rPr lang="en-US" altLang="ko-KR" sz="2000" dirty="0" smtClean="0"/>
+              <a:rPr lang="en-US" altLang="ko-KR" sz="2000" dirty="0"/>
               <a:t>Proposed function</a:t>
             </a:r>
           </a:p>
@@ -15823,7 +16766,7 @@
               <a:buFont typeface="Arial" panose="020B0604020202020204" pitchFamily="34" charset="0"/>
               <a:buChar char="•"/>
             </a:pPr>
-            <a:endParaRPr lang="en-US" altLang="ko-KR" sz="2000" dirty="0" smtClean="0"/>
+            <a:endParaRPr lang="en-US" altLang="ko-KR" sz="2000" dirty="0"/>
           </a:p>
           <a:p>
             <a:pPr marL="342900" indent="-342900">
@@ -15834,7 +16777,7 @@
               <a:buChar char="•"/>
             </a:pPr>
             <a:r>
-              <a:rPr lang="en-US" altLang="ko-KR" sz="2000" dirty="0" smtClean="0"/>
+              <a:rPr lang="en-US" altLang="ko-KR" sz="2000" dirty="0"/>
               <a:t>Demonstration video</a:t>
             </a:r>
           </a:p>
@@ -15847,7 +16790,7 @@
               <a:buChar char="•"/>
             </a:pPr>
             <a:r>
-              <a:rPr lang="en-US" altLang="ko-KR" sz="2000" dirty="0" smtClean="0"/>
+              <a:rPr lang="en-US" altLang="ko-KR" sz="2000" dirty="0"/>
               <a:t>Expected effect</a:t>
             </a:r>
           </a:p>
@@ -15880,10 +16823,10 @@
               <a:buChar char="ü"/>
             </a:pPr>
             <a:r>
-              <a:rPr lang="en-US" altLang="ko-KR" dirty="0" err="1" smtClean="0"/>
+              <a:rPr lang="en-US" altLang="ko-KR" dirty="0" err="1"/>
               <a:t>Fg</a:t>
             </a:r>
-            <a:endParaRPr lang="en-US" altLang="ko-KR" dirty="0" smtClean="0"/>
+            <a:endParaRPr lang="en-US" altLang="ko-KR" dirty="0"/>
           </a:p>
           <a:p>
             <a:pPr marL="285750" indent="-285750">
@@ -15891,7 +16834,7 @@
               <a:buChar char="ü"/>
             </a:pPr>
             <a:r>
-              <a:rPr lang="en-US" altLang="ko-KR" dirty="0" err="1" smtClean="0"/>
+              <a:rPr lang="en-US" altLang="ko-KR" dirty="0" err="1"/>
               <a:t>df</a:t>
             </a:r>
             <a:endParaRPr lang="ko-KR" altLang="en-US" dirty="0"/>
@@ -15908,13 +16851,243 @@
   <p:clrMapOvr>
     <a:masterClrMapping/>
   </p:clrMapOvr>
-  <p:timing>
-    <p:tnLst>
-      <p:par>
-        <p:cTn id="1" dur="indefinite" restart="never" nodeType="tmRoot"/>
-      </p:par>
-    </p:tnLst>
-  </p:timing>
+</p:sld>
+</file>
+
+<file path=ppt/slides/slide20.xml><?xml version="1.0" encoding="utf-8"?>
+<p:sld xmlns:a="http://schemas.openxmlformats.org/drawingml/2006/main" xmlns:r="http://schemas.openxmlformats.org/officeDocument/2006/relationships" xmlns:p="http://schemas.openxmlformats.org/presentationml/2006/main">
+  <p:cSld>
+    <p:spTree>
+      <p:nvGrpSpPr>
+        <p:cNvPr id="1" name="Shape 187"/>
+        <p:cNvGrpSpPr/>
+        <p:nvPr/>
+      </p:nvGrpSpPr>
+      <p:grpSpPr>
+        <a:xfrm>
+          <a:off x="0" y="0"/>
+          <a:ext cx="0" cy="0"/>
+          <a:chOff x="0" y="0"/>
+          <a:chExt cx="0" cy="0"/>
+        </a:xfrm>
+      </p:grpSpPr>
+      <p:sp>
+        <p:nvSpPr>
+          <p:cNvPr id="188" name="Google Shape;188;p10"/>
+          <p:cNvSpPr/>
+          <p:nvPr/>
+        </p:nvSpPr>
+        <p:spPr>
+          <a:xfrm>
+            <a:off x="512466" y="365125"/>
+            <a:ext cx="11143622" cy="740194"/>
+          </a:xfrm>
+          <a:prstGeom prst="rect">
+            <a:avLst/>
+          </a:prstGeom>
+          <a:solidFill>
+            <a:srgbClr val="1E4E79"/>
+          </a:solidFill>
+          <a:ln w="12700" cap="flat" cmpd="sng">
+            <a:solidFill>
+              <a:srgbClr val="1E4E79"/>
+            </a:solidFill>
+            <a:prstDash val="solid"/>
+            <a:miter lim="800000"/>
+            <a:headEnd type="none" w="sm" len="sm"/>
+            <a:tailEnd type="none" w="sm" len="sm"/>
+          </a:ln>
+        </p:spPr>
+        <p:txBody>
+          <a:bodyPr spcFirstLastPara="1" wrap="square" lIns="91425" tIns="45700" rIns="91425" bIns="45700" anchor="ctr" anchorCtr="0">
+            <a:noAutofit/>
+          </a:bodyPr>
+          <a:lstStyle/>
+          <a:p>
+            <a:pPr marL="0" marR="0" lvl="0" indent="0" algn="l" rtl="0">
+              <a:spcBef>
+                <a:spcPts val="0"/>
+              </a:spcBef>
+              <a:spcAft>
+                <a:spcPts val="0"/>
+              </a:spcAft>
+              <a:buNone/>
+            </a:pPr>
+            <a:endParaRPr sz="2400" b="1">
+              <a:solidFill>
+                <a:schemeClr val="lt1"/>
+              </a:solidFill>
+              <a:latin typeface="Malgun Gothic"/>
+              <a:ea typeface="Malgun Gothic"/>
+              <a:cs typeface="Malgun Gothic"/>
+              <a:sym typeface="Malgun Gothic"/>
+            </a:endParaRPr>
+          </a:p>
+        </p:txBody>
+      </p:sp>
+      <p:sp>
+        <p:nvSpPr>
+          <p:cNvPr id="189" name="Google Shape;189;p10"/>
+          <p:cNvSpPr/>
+          <p:nvPr/>
+        </p:nvSpPr>
+        <p:spPr>
+          <a:xfrm>
+            <a:off x="512466" y="6260985"/>
+            <a:ext cx="11143622" cy="133403"/>
+          </a:xfrm>
+          <a:prstGeom prst="rect">
+            <a:avLst/>
+          </a:prstGeom>
+          <a:solidFill>
+            <a:srgbClr val="1E4E79"/>
+          </a:solidFill>
+          <a:ln w="12700" cap="flat" cmpd="sng">
+            <a:solidFill>
+              <a:srgbClr val="1E4E79"/>
+            </a:solidFill>
+            <a:prstDash val="solid"/>
+            <a:miter lim="800000"/>
+            <a:headEnd type="none" w="sm" len="sm"/>
+            <a:tailEnd type="none" w="sm" len="sm"/>
+          </a:ln>
+        </p:spPr>
+        <p:txBody>
+          <a:bodyPr spcFirstLastPara="1" wrap="square" lIns="91425" tIns="45700" rIns="91425" bIns="45700" anchor="ctr" anchorCtr="0">
+            <a:noAutofit/>
+          </a:bodyPr>
+          <a:lstStyle/>
+          <a:p>
+            <a:pPr marL="0" marR="0" lvl="0" indent="0" algn="ctr" rtl="0">
+              <a:spcBef>
+                <a:spcPts val="0"/>
+              </a:spcBef>
+              <a:spcAft>
+                <a:spcPts val="0"/>
+              </a:spcAft>
+              <a:buNone/>
+            </a:pPr>
+            <a:endParaRPr sz="1800">
+              <a:solidFill>
+                <a:schemeClr val="lt1"/>
+              </a:solidFill>
+              <a:latin typeface="Malgun Gothic"/>
+              <a:ea typeface="Malgun Gothic"/>
+              <a:cs typeface="Malgun Gothic"/>
+              <a:sym typeface="Malgun Gothic"/>
+            </a:endParaRPr>
+          </a:p>
+        </p:txBody>
+      </p:sp>
+      <p:sp>
+        <p:nvSpPr>
+          <p:cNvPr id="190" name="Google Shape;190;p10"/>
+          <p:cNvSpPr txBox="1">
+            <a:spLocks noGrp="1"/>
+          </p:cNvSpPr>
+          <p:nvPr>
+            <p:ph type="sldNum" idx="12"/>
+          </p:nvPr>
+        </p:nvSpPr>
+        <p:spPr>
+          <a:xfrm>
+            <a:off x="8610600" y="6356350"/>
+            <a:ext cx="2743200" cy="365125"/>
+          </a:xfrm>
+          <a:prstGeom prst="rect">
+            <a:avLst/>
+          </a:prstGeom>
+          <a:noFill/>
+          <a:ln>
+            <a:noFill/>
+          </a:ln>
+        </p:spPr>
+        <p:txBody>
+          <a:bodyPr spcFirstLastPara="1" wrap="square" lIns="91425" tIns="45700" rIns="91425" bIns="45700" anchor="ctr" anchorCtr="0">
+            <a:noAutofit/>
+          </a:bodyPr>
+          <a:lstStyle/>
+          <a:p>
+            <a:pPr marL="0" lvl="0" indent="0" algn="r" rtl="0">
+              <a:spcBef>
+                <a:spcPts val="0"/>
+              </a:spcBef>
+              <a:spcAft>
+                <a:spcPts val="0"/>
+              </a:spcAft>
+              <a:buNone/>
+            </a:pPr>
+            <a:fld id="{00000000-1234-1234-1234-123412341234}" type="slidenum">
+              <a:rPr lang="en-US"/>
+              <a:t>20</a:t>
+            </a:fld>
+            <a:endParaRPr/>
+          </a:p>
+        </p:txBody>
+      </p:sp>
+      <p:sp>
+        <p:nvSpPr>
+          <p:cNvPr id="191" name="Google Shape;191;p10"/>
+          <p:cNvSpPr txBox="1">
+            <a:spLocks noGrp="1"/>
+          </p:cNvSpPr>
+          <p:nvPr>
+            <p:ph type="body" idx="1"/>
+          </p:nvPr>
+        </p:nvSpPr>
+        <p:spPr>
+          <a:xfrm>
+            <a:off x="5273526" y="3157932"/>
+            <a:ext cx="1644948" cy="542136"/>
+          </a:xfrm>
+          <a:prstGeom prst="rect">
+            <a:avLst/>
+          </a:prstGeom>
+          <a:noFill/>
+          <a:ln>
+            <a:noFill/>
+          </a:ln>
+        </p:spPr>
+        <p:txBody>
+          <a:bodyPr spcFirstLastPara="1" wrap="square" lIns="91425" tIns="45700" rIns="91425" bIns="45700" anchor="t" anchorCtr="0">
+            <a:normAutofit lnSpcReduction="10000"/>
+          </a:bodyPr>
+          <a:lstStyle/>
+          <a:p>
+            <a:pPr marL="0" lvl="0" indent="0" algn="l" rtl="0">
+              <a:lnSpc>
+                <a:spcPct val="90000"/>
+              </a:lnSpc>
+              <a:spcBef>
+                <a:spcPts val="0"/>
+              </a:spcBef>
+              <a:spcAft>
+                <a:spcPts val="0"/>
+              </a:spcAft>
+              <a:buClr>
+                <a:schemeClr val="dk1"/>
+              </a:buClr>
+              <a:buSzPts val="3600"/>
+              <a:buNone/>
+            </a:pPr>
+            <a:r>
+              <a:rPr lang="en-US" sz="3600"/>
+              <a:t>Thanks</a:t>
+            </a:r>
+            <a:endParaRPr sz="2000"/>
+          </a:p>
+        </p:txBody>
+      </p:sp>
+    </p:spTree>
+    <p:extLst>
+      <p:ext uri="{BB962C8B-B14F-4D97-AF65-F5344CB8AC3E}">
+        <p14:creationId xmlns:p14="http://schemas.microsoft.com/office/powerpoint/2010/main" val="200170191"/>
+      </p:ext>
+    </p:extLst>
+  </p:cSld>
+  <p:clrMapOvr>
+    <a:masterClrMapping/>
+  </p:clrMapOvr>
 </p:sld>
 </file>
 
@@ -15977,6 +17150,42 @@
               </a:spcAft>
               <a:buNone/>
             </a:pPr>
+            <a:r>
+              <a:rPr lang="en-US" sz="2400" b="1" dirty="0">
+                <a:solidFill>
+                  <a:schemeClr val="lt1"/>
+                </a:solidFill>
+                <a:latin typeface="Malgun Gothic"/>
+                <a:ea typeface="Malgun Gothic"/>
+                <a:cs typeface="Malgun Gothic"/>
+                <a:sym typeface="Malgun Gothic"/>
+              </a:rPr>
+              <a:t>Why </a:t>
+            </a:r>
+            <a:r>
+              <a:rPr lang="en-US" sz="2400" b="1" dirty="0" err="1">
+                <a:solidFill>
+                  <a:schemeClr val="lt1"/>
+                </a:solidFill>
+                <a:latin typeface="Malgun Gothic"/>
+                <a:ea typeface="Malgun Gothic"/>
+                <a:cs typeface="Malgun Gothic"/>
+                <a:sym typeface="Malgun Gothic"/>
+              </a:rPr>
+              <a:t>picAmaze</a:t>
+            </a:r>
+            <a:r>
+              <a:rPr lang="en-US" sz="2400" b="1" dirty="0">
+                <a:solidFill>
+                  <a:schemeClr val="lt1"/>
+                </a:solidFill>
+                <a:latin typeface="Malgun Gothic"/>
+                <a:ea typeface="Malgun Gothic"/>
+                <a:cs typeface="Malgun Gothic"/>
+                <a:sym typeface="Malgun Gothic"/>
+              </a:rPr>
+              <a:t>?</a:t>
+            </a:r>
             <a:endParaRPr sz="2400" b="1" dirty="0">
               <a:solidFill>
                 <a:schemeClr val="lt1"/>
@@ -16089,6 +17298,174 @@
           </a:p>
         </p:txBody>
       </p:sp>
+      <p:pic>
+        <p:nvPicPr>
+          <p:cNvPr id="3" name="그림 2">
+            <a:extLst>
+              <a:ext uri="{FF2B5EF4-FFF2-40B4-BE49-F238E27FC236}">
+                <a16:creationId xmlns:a16="http://schemas.microsoft.com/office/drawing/2014/main" id="{FFE76725-BAD2-4D56-8012-F387776F69F5}"/>
+              </a:ext>
+            </a:extLst>
+          </p:cNvPr>
+          <p:cNvPicPr>
+            <a:picLocks noChangeAspect="1"/>
+          </p:cNvPicPr>
+          <p:nvPr/>
+        </p:nvPicPr>
+        <p:blipFill>
+          <a:blip r:embed="rId3"/>
+          <a:stretch>
+            <a:fillRect/>
+          </a:stretch>
+        </p:blipFill>
+        <p:spPr>
+          <a:xfrm>
+            <a:off x="3226513" y="1945688"/>
+            <a:ext cx="1118124" cy="1118124"/>
+          </a:xfrm>
+          <a:prstGeom prst="rect">
+            <a:avLst/>
+          </a:prstGeom>
+        </p:spPr>
+      </p:pic>
+      <p:pic>
+        <p:nvPicPr>
+          <p:cNvPr id="11" name="그림 10" descr="텍스트, 벡터그래픽이(가) 표시된 사진&#10;&#10;자동 생성된 설명">
+            <a:extLst>
+              <a:ext uri="{FF2B5EF4-FFF2-40B4-BE49-F238E27FC236}">
+                <a16:creationId xmlns:a16="http://schemas.microsoft.com/office/drawing/2014/main" id="{5EC72E1B-87E9-4CC9-843A-C238C228DD28}"/>
+              </a:ext>
+            </a:extLst>
+          </p:cNvPr>
+          <p:cNvPicPr>
+            <a:picLocks noChangeAspect="1"/>
+          </p:cNvPicPr>
+          <p:nvPr/>
+        </p:nvPicPr>
+        <p:blipFill>
+          <a:blip r:embed="rId4"/>
+          <a:stretch>
+            <a:fillRect/>
+          </a:stretch>
+        </p:blipFill>
+        <p:spPr>
+          <a:xfrm>
+            <a:off x="6096000" y="2206305"/>
+            <a:ext cx="3095537" cy="3095537"/>
+          </a:xfrm>
+          <a:prstGeom prst="rect">
+            <a:avLst/>
+          </a:prstGeom>
+        </p:spPr>
+      </p:pic>
+      <p:sp>
+        <p:nvSpPr>
+          <p:cNvPr id="12" name="TextBox 11">
+            <a:extLst>
+              <a:ext uri="{FF2B5EF4-FFF2-40B4-BE49-F238E27FC236}">
+                <a16:creationId xmlns:a16="http://schemas.microsoft.com/office/drawing/2014/main" id="{AB1D1528-142C-42CC-8B1B-513F27DA0B73}"/>
+              </a:ext>
+            </a:extLst>
+          </p:cNvPr>
+          <p:cNvSpPr txBox="1"/>
+          <p:nvPr/>
+        </p:nvSpPr>
+        <p:spPr>
+          <a:xfrm>
+            <a:off x="2035729" y="4265243"/>
+            <a:ext cx="4060271" cy="523220"/>
+          </a:xfrm>
+          <a:prstGeom prst="rect">
+            <a:avLst/>
+          </a:prstGeom>
+          <a:noFill/>
+        </p:spPr>
+        <p:txBody>
+          <a:bodyPr wrap="square" rtlCol="0">
+            <a:spAutoFit/>
+          </a:bodyPr>
+          <a:lstStyle/>
+          <a:p>
+            <a:r>
+              <a:rPr lang="en-US" altLang="ko-KR" dirty="0"/>
+              <a:t>“</a:t>
+            </a:r>
+            <a:r>
+              <a:rPr lang="ko-KR" altLang="en-US" dirty="0"/>
+              <a:t>저번에 </a:t>
+            </a:r>
+            <a:r>
+              <a:rPr lang="ko-KR" altLang="en-US" dirty="0" err="1"/>
+              <a:t>캡처해놓은</a:t>
+            </a:r>
+            <a:r>
+              <a:rPr lang="ko-KR" altLang="en-US" dirty="0"/>
+              <a:t> 그 짤 지금 보내면 </a:t>
+            </a:r>
+            <a:r>
+              <a:rPr lang="ko-KR" altLang="en-US" dirty="0" err="1"/>
+              <a:t>딱인데</a:t>
+            </a:r>
+            <a:r>
+              <a:rPr lang="ko-KR" altLang="en-US" dirty="0"/>
+              <a:t> 어디에 저장했지</a:t>
+            </a:r>
+            <a:r>
+              <a:rPr lang="en-US" altLang="ko-KR" dirty="0"/>
+              <a:t>?”</a:t>
+            </a:r>
+            <a:endParaRPr lang="ko-KR" altLang="en-US" dirty="0"/>
+          </a:p>
+        </p:txBody>
+      </p:sp>
+      <p:sp>
+        <p:nvSpPr>
+          <p:cNvPr id="16" name="TextBox 15">
+            <a:extLst>
+              <a:ext uri="{FF2B5EF4-FFF2-40B4-BE49-F238E27FC236}">
+                <a16:creationId xmlns:a16="http://schemas.microsoft.com/office/drawing/2014/main" id="{829057DB-76DA-4669-8791-2DA529B1253C}"/>
+              </a:ext>
+            </a:extLst>
+          </p:cNvPr>
+          <p:cNvSpPr txBox="1"/>
+          <p:nvPr/>
+        </p:nvSpPr>
+        <p:spPr>
+          <a:xfrm>
+            <a:off x="2306113" y="3591708"/>
+            <a:ext cx="4060271" cy="307777"/>
+          </a:xfrm>
+          <a:prstGeom prst="rect">
+            <a:avLst/>
+          </a:prstGeom>
+          <a:noFill/>
+        </p:spPr>
+        <p:txBody>
+          <a:bodyPr wrap="square" rtlCol="0">
+            <a:spAutoFit/>
+          </a:bodyPr>
+          <a:lstStyle/>
+          <a:p>
+            <a:r>
+              <a:rPr lang="en-US" altLang="ko-KR" dirty="0"/>
+              <a:t>“</a:t>
+            </a:r>
+            <a:r>
+              <a:rPr lang="ko-KR" altLang="en-US" dirty="0"/>
+              <a:t>저번에 받은 그 사진이 </a:t>
+            </a:r>
+            <a:r>
+              <a:rPr lang="ko-KR" altLang="en-US" dirty="0" err="1"/>
+              <a:t>어디있더라</a:t>
+            </a:r>
+            <a:r>
+              <a:rPr lang="en-US" altLang="ko-KR" dirty="0"/>
+              <a:t>…”</a:t>
+            </a:r>
+            <a:endParaRPr lang="ko-KR" altLang="en-US" dirty="0"/>
+          </a:p>
+        </p:txBody>
+      </p:sp>
     </p:spTree>
     <p:extLst>
       <p:ext uri="{BB962C8B-B14F-4D97-AF65-F5344CB8AC3E}">
@@ -16099,13 +17476,6 @@
   <p:clrMapOvr>
     <a:masterClrMapping/>
   </p:clrMapOvr>
-  <p:timing>
-    <p:tnLst>
-      <p:par>
-        <p:cTn id="1" dur="indefinite" restart="never" nodeType="tmRoot"/>
-      </p:par>
-    </p:tnLst>
-  </p:timing>
 </p:sld>
 </file>
 
@@ -16168,6 +17538,54 @@
               </a:spcAft>
               <a:buNone/>
             </a:pPr>
+            <a:r>
+              <a:rPr lang="en-US" sz="2400" b="1" dirty="0">
+                <a:solidFill>
+                  <a:schemeClr val="lt1"/>
+                </a:solidFill>
+                <a:latin typeface="Malgun Gothic"/>
+                <a:ea typeface="Malgun Gothic"/>
+                <a:cs typeface="Malgun Gothic"/>
+                <a:sym typeface="Malgun Gothic"/>
+              </a:rPr>
+              <a:t>Why</a:t>
+            </a:r>
+            <a:r>
+              <a:rPr lang="ko-KR" altLang="en-US" sz="2400" b="1" dirty="0">
+                <a:solidFill>
+                  <a:schemeClr val="lt1"/>
+                </a:solidFill>
+                <a:latin typeface="Malgun Gothic"/>
+                <a:ea typeface="Malgun Gothic"/>
+                <a:cs typeface="Malgun Gothic"/>
+                <a:sym typeface="Malgun Gothic"/>
+              </a:rPr>
+              <a:t> </a:t>
+            </a:r>
+            <a:r>
+              <a:rPr lang="en-US" altLang="ko-KR" sz="2400" b="1" dirty="0" err="1">
+                <a:solidFill>
+                  <a:schemeClr val="lt1"/>
+                </a:solidFill>
+                <a:latin typeface="Malgun Gothic"/>
+                <a:ea typeface="Malgun Gothic"/>
+                <a:cs typeface="Malgun Gothic"/>
+                <a:sym typeface="Malgun Gothic"/>
+              </a:rPr>
+              <a:t>picAmaze</a:t>
+            </a:r>
+            <a:r>
+              <a:rPr lang="en-US" altLang="ko-KR" sz="2400" b="1" dirty="0">
+                <a:solidFill>
+                  <a:schemeClr val="lt1"/>
+                </a:solidFill>
+                <a:latin typeface="Malgun Gothic"/>
+                <a:ea typeface="Malgun Gothic"/>
+                <a:cs typeface="Malgun Gothic"/>
+                <a:sym typeface="Malgun Gothic"/>
+              </a:rPr>
+              <a:t>?</a:t>
+            </a:r>
             <a:endParaRPr sz="2400" b="1" dirty="0">
               <a:solidFill>
                 <a:schemeClr val="lt1"/>
@@ -16280,6 +17698,36 @@
           </a:p>
         </p:txBody>
       </p:sp>
+      <p:pic>
+        <p:nvPicPr>
+          <p:cNvPr id="3" name="그림 2" descr="잠옷, 더미, 여러개이(가) 표시된 사진&#10;&#10;자동 생성된 설명">
+            <a:extLst>
+              <a:ext uri="{FF2B5EF4-FFF2-40B4-BE49-F238E27FC236}">
+                <a16:creationId xmlns:a16="http://schemas.microsoft.com/office/drawing/2014/main" id="{65DAF02C-2CFB-46AB-A9C2-70AFD345A053}"/>
+              </a:ext>
+            </a:extLst>
+          </p:cNvPr>
+          <p:cNvPicPr>
+            <a:picLocks noChangeAspect="1"/>
+          </p:cNvPicPr>
+          <p:nvPr/>
+        </p:nvPicPr>
+        <p:blipFill>
+          <a:blip r:embed="rId3"/>
+          <a:stretch>
+            <a:fillRect/>
+          </a:stretch>
+        </p:blipFill>
+        <p:spPr>
+          <a:xfrm>
+            <a:off x="2073042" y="1811542"/>
+            <a:ext cx="7423296" cy="3676715"/>
+          </a:xfrm>
+          <a:prstGeom prst="rect">
+            <a:avLst/>
+          </a:prstGeom>
+        </p:spPr>
+      </p:pic>
     </p:spTree>
     <p:extLst>
       <p:ext uri="{BB962C8B-B14F-4D97-AF65-F5344CB8AC3E}">
@@ -16290,13 +17738,6 @@
   <p:clrMapOvr>
     <a:masterClrMapping/>
   </p:clrMapOvr>
-  <p:timing>
-    <p:tnLst>
-      <p:par>
-        <p:cTn id="1" dur="indefinite" restart="never" nodeType="tmRoot"/>
-      </p:par>
-    </p:tnLst>
-  </p:timing>
 </p:sld>
 </file>
 
@@ -16359,6 +17800,18 @@
               </a:spcAft>
               <a:buNone/>
             </a:pPr>
+            <a:r>
+              <a:rPr lang="ko-KR" altLang="en-US" sz="2400" b="1" dirty="0">
+                <a:solidFill>
+                  <a:schemeClr val="lt1"/>
+                </a:solidFill>
+                <a:latin typeface="Malgun Gothic"/>
+                <a:ea typeface="Malgun Gothic"/>
+                <a:cs typeface="Malgun Gothic"/>
+                <a:sym typeface="Malgun Gothic"/>
+              </a:rPr>
+              <a:t>사진 정리</a:t>
+            </a:r>
             <a:endParaRPr sz="2400" b="1" dirty="0">
               <a:solidFill>
                 <a:schemeClr val="lt1"/>
@@ -16474,20 +17927,13 @@
     </p:spTree>
     <p:extLst>
       <p:ext uri="{BB962C8B-B14F-4D97-AF65-F5344CB8AC3E}">
-        <p14:creationId xmlns:p14="http://schemas.microsoft.com/office/powerpoint/2010/main" val="2159850455"/>
+        <p14:creationId xmlns:p14="http://schemas.microsoft.com/office/powerpoint/2010/main" val="2327349331"/>
       </p:ext>
     </p:extLst>
   </p:cSld>
   <p:clrMapOvr>
     <a:masterClrMapping/>
   </p:clrMapOvr>
-  <p:timing>
-    <p:tnLst>
-      <p:par>
-        <p:cTn id="1" dur="indefinite" restart="never" nodeType="tmRoot"/>
-      </p:par>
-    </p:tnLst>
-  </p:timing>
 </p:sld>
 </file>
 
@@ -16550,6 +17996,18 @@
               </a:spcAft>
               <a:buNone/>
             </a:pPr>
+            <a:r>
+              <a:rPr lang="ko-KR" altLang="en-US" sz="2400" b="1" dirty="0">
+                <a:solidFill>
+                  <a:schemeClr val="lt1"/>
+                </a:solidFill>
+                <a:latin typeface="Malgun Gothic"/>
+                <a:ea typeface="Malgun Gothic"/>
+                <a:cs typeface="Malgun Gothic"/>
+                <a:sym typeface="Malgun Gothic"/>
+              </a:rPr>
+              <a:t>사진 정리</a:t>
+            </a:r>
             <a:endParaRPr sz="2400" b="1" dirty="0">
               <a:solidFill>
                 <a:schemeClr val="lt1"/>
@@ -16662,23 +18120,76 @@
           </a:p>
         </p:txBody>
       </p:sp>
+      <p:pic>
+        <p:nvPicPr>
+          <p:cNvPr id="3" name="그림 2">
+            <a:extLst>
+              <a:ext uri="{FF2B5EF4-FFF2-40B4-BE49-F238E27FC236}">
+                <a16:creationId xmlns:a16="http://schemas.microsoft.com/office/drawing/2014/main" id="{54D1C4E2-9073-42CA-8B78-5AF63E68E59B}"/>
+              </a:ext>
+            </a:extLst>
+          </p:cNvPr>
+          <p:cNvPicPr>
+            <a:picLocks noChangeAspect="1"/>
+          </p:cNvPicPr>
+          <p:nvPr/>
+        </p:nvPicPr>
+        <p:blipFill>
+          <a:blip r:embed="rId3"/>
+          <a:stretch>
+            <a:fillRect/>
+          </a:stretch>
+        </p:blipFill>
+        <p:spPr>
+          <a:xfrm>
+            <a:off x="898128" y="1415455"/>
+            <a:ext cx="3439970" cy="4687163"/>
+          </a:xfrm>
+          <a:prstGeom prst="rect">
+            <a:avLst/>
+          </a:prstGeom>
+        </p:spPr>
+      </p:pic>
+      <p:pic>
+        <p:nvPicPr>
+          <p:cNvPr id="5" name="그림 4" descr="텍스트이(가) 표시된 사진&#10;&#10;자동 생성된 설명">
+            <a:extLst>
+              <a:ext uri="{FF2B5EF4-FFF2-40B4-BE49-F238E27FC236}">
+                <a16:creationId xmlns:a16="http://schemas.microsoft.com/office/drawing/2014/main" id="{CDC87CF8-BEE0-4DB0-ACC2-011AC9076622}"/>
+              </a:ext>
+            </a:extLst>
+          </p:cNvPr>
+          <p:cNvPicPr>
+            <a:picLocks noChangeAspect="1"/>
+          </p:cNvPicPr>
+          <p:nvPr/>
+        </p:nvPicPr>
+        <p:blipFill>
+          <a:blip r:embed="rId4"/>
+          <a:stretch>
+            <a:fillRect/>
+          </a:stretch>
+        </p:blipFill>
+        <p:spPr>
+          <a:xfrm>
+            <a:off x="4594390" y="1504572"/>
+            <a:ext cx="6759410" cy="4000747"/>
+          </a:xfrm>
+          <a:prstGeom prst="rect">
+            <a:avLst/>
+          </a:prstGeom>
+        </p:spPr>
+      </p:pic>
     </p:spTree>
     <p:extLst>
       <p:ext uri="{BB962C8B-B14F-4D97-AF65-F5344CB8AC3E}">
-        <p14:creationId xmlns:p14="http://schemas.microsoft.com/office/powerpoint/2010/main" val="3092265240"/>
+        <p14:creationId xmlns:p14="http://schemas.microsoft.com/office/powerpoint/2010/main" val="2159850455"/>
       </p:ext>
     </p:extLst>
   </p:cSld>
   <p:clrMapOvr>
     <a:masterClrMapping/>
   </p:clrMapOvr>
-  <p:timing>
-    <p:tnLst>
-      <p:par>
-        <p:cTn id="1" dur="indefinite" restart="never" nodeType="tmRoot"/>
-      </p:par>
-    </p:tnLst>
-  </p:timing>
 </p:sld>
 </file>
 
@@ -16741,6 +18252,18 @@
               </a:spcAft>
               <a:buNone/>
             </a:pPr>
+            <a:r>
+              <a:rPr lang="ko-KR" altLang="en-US" sz="2400" b="1" dirty="0">
+                <a:solidFill>
+                  <a:schemeClr val="lt1"/>
+                </a:solidFill>
+                <a:latin typeface="Malgun Gothic"/>
+                <a:ea typeface="Malgun Gothic"/>
+                <a:cs typeface="Malgun Gothic"/>
+                <a:sym typeface="Malgun Gothic"/>
+              </a:rPr>
+              <a:t>사진 정리</a:t>
+            </a:r>
             <a:endParaRPr sz="2400" b="1" dirty="0">
               <a:solidFill>
                 <a:schemeClr val="lt1"/>
@@ -16853,23 +18376,46 @@
           </a:p>
         </p:txBody>
       </p:sp>
+      <p:pic>
+        <p:nvPicPr>
+          <p:cNvPr id="3" name="그림 2">
+            <a:extLst>
+              <a:ext uri="{FF2B5EF4-FFF2-40B4-BE49-F238E27FC236}">
+                <a16:creationId xmlns:a16="http://schemas.microsoft.com/office/drawing/2014/main" id="{2A4B8B56-EDBE-4427-8BCD-6093A9E1FA69}"/>
+              </a:ext>
+            </a:extLst>
+          </p:cNvPr>
+          <p:cNvPicPr>
+            <a:picLocks noChangeAspect="1"/>
+          </p:cNvPicPr>
+          <p:nvPr/>
+        </p:nvPicPr>
+        <p:blipFill>
+          <a:blip r:embed="rId3"/>
+          <a:stretch>
+            <a:fillRect/>
+          </a:stretch>
+        </p:blipFill>
+        <p:spPr>
+          <a:xfrm>
+            <a:off x="1488173" y="1200684"/>
+            <a:ext cx="8410836" cy="4978190"/>
+          </a:xfrm>
+          <a:prstGeom prst="rect">
+            <a:avLst/>
+          </a:prstGeom>
+        </p:spPr>
+      </p:pic>
     </p:spTree>
     <p:extLst>
       <p:ext uri="{BB962C8B-B14F-4D97-AF65-F5344CB8AC3E}">
-        <p14:creationId xmlns:p14="http://schemas.microsoft.com/office/powerpoint/2010/main" val="3733455717"/>
+        <p14:creationId xmlns:p14="http://schemas.microsoft.com/office/powerpoint/2010/main" val="2366507533"/>
       </p:ext>
     </p:extLst>
   </p:cSld>
   <p:clrMapOvr>
     <a:masterClrMapping/>
   </p:clrMapOvr>
-  <p:timing>
-    <p:tnLst>
-      <p:par>
-        <p:cTn id="1" dur="indefinite" restart="never" nodeType="tmRoot"/>
-      </p:par>
-    </p:tnLst>
-  </p:timing>
 </p:sld>
 </file>
 
@@ -16932,6 +18478,18 @@
               </a:spcAft>
               <a:buNone/>
             </a:pPr>
+            <a:r>
+              <a:rPr lang="ko-KR" altLang="en-US" sz="2400" b="1" dirty="0">
+                <a:solidFill>
+                  <a:schemeClr val="lt1"/>
+                </a:solidFill>
+                <a:latin typeface="Malgun Gothic"/>
+                <a:ea typeface="Malgun Gothic"/>
+                <a:cs typeface="Malgun Gothic"/>
+                <a:sym typeface="Malgun Gothic"/>
+              </a:rPr>
+              <a:t>사진 정리</a:t>
+            </a:r>
             <a:endParaRPr sz="2400" b="1" dirty="0">
               <a:solidFill>
                 <a:schemeClr val="lt1"/>
@@ -17044,23 +18602,76 @@
           </a:p>
         </p:txBody>
       </p:sp>
+      <p:pic>
+        <p:nvPicPr>
+          <p:cNvPr id="5" name="그림 4" descr="텍스트이(가) 표시된 사진&#10;&#10;자동 생성된 설명">
+            <a:extLst>
+              <a:ext uri="{FF2B5EF4-FFF2-40B4-BE49-F238E27FC236}">
+                <a16:creationId xmlns:a16="http://schemas.microsoft.com/office/drawing/2014/main" id="{F601DE2E-77FC-4F61-9812-3335E118DB7E}"/>
+              </a:ext>
+            </a:extLst>
+          </p:cNvPr>
+          <p:cNvPicPr>
+            <a:picLocks noChangeAspect="1"/>
+          </p:cNvPicPr>
+          <p:nvPr/>
+        </p:nvPicPr>
+        <p:blipFill>
+          <a:blip r:embed="rId3"/>
+          <a:stretch>
+            <a:fillRect/>
+          </a:stretch>
+        </p:blipFill>
+        <p:spPr>
+          <a:xfrm>
+            <a:off x="1249328" y="1185036"/>
+            <a:ext cx="3557564" cy="4841307"/>
+          </a:xfrm>
+          <a:prstGeom prst="rect">
+            <a:avLst/>
+          </a:prstGeom>
+        </p:spPr>
+      </p:pic>
+      <p:pic>
+        <p:nvPicPr>
+          <p:cNvPr id="7" name="그림 6" descr="텍스트이(가) 표시된 사진&#10;&#10;자동 생성된 설명">
+            <a:extLst>
+              <a:ext uri="{FF2B5EF4-FFF2-40B4-BE49-F238E27FC236}">
+                <a16:creationId xmlns:a16="http://schemas.microsoft.com/office/drawing/2014/main" id="{87FDDE9A-00FF-493B-B6A4-5FB9106FFFAD}"/>
+              </a:ext>
+            </a:extLst>
+          </p:cNvPr>
+          <p:cNvPicPr>
+            <a:picLocks noChangeAspect="1"/>
+          </p:cNvPicPr>
+          <p:nvPr/>
+        </p:nvPicPr>
+        <p:blipFill>
+          <a:blip r:embed="rId4"/>
+          <a:stretch>
+            <a:fillRect/>
+          </a:stretch>
+        </p:blipFill>
+        <p:spPr>
+          <a:xfrm>
+            <a:off x="6274220" y="1200684"/>
+            <a:ext cx="3524001" cy="4841307"/>
+          </a:xfrm>
+          <a:prstGeom prst="rect">
+            <a:avLst/>
+          </a:prstGeom>
+        </p:spPr>
+      </p:pic>
     </p:spTree>
     <p:extLst>
       <p:ext uri="{BB962C8B-B14F-4D97-AF65-F5344CB8AC3E}">
-        <p14:creationId xmlns:p14="http://schemas.microsoft.com/office/powerpoint/2010/main" val="2058655785"/>
+        <p14:creationId xmlns:p14="http://schemas.microsoft.com/office/powerpoint/2010/main" val="3916252131"/>
       </p:ext>
     </p:extLst>
   </p:cSld>
   <p:clrMapOvr>
     <a:masterClrMapping/>
   </p:clrMapOvr>
-  <p:timing>
-    <p:tnLst>
-      <p:par>
-        <p:cTn id="1" dur="indefinite" restart="never" nodeType="tmRoot"/>
-      </p:par>
-    </p:tnLst>
-  </p:timing>
 </p:sld>
 </file>
 
@@ -17123,6 +18734,18 @@
               </a:spcAft>
               <a:buNone/>
             </a:pPr>
+            <a:r>
+              <a:rPr lang="ko-KR" altLang="en-US" sz="2400" b="1" dirty="0">
+                <a:solidFill>
+                  <a:schemeClr val="lt1"/>
+                </a:solidFill>
+                <a:latin typeface="Malgun Gothic"/>
+                <a:ea typeface="Malgun Gothic"/>
+                <a:cs typeface="Malgun Gothic"/>
+                <a:sym typeface="Malgun Gothic"/>
+              </a:rPr>
+              <a:t>사진 정리</a:t>
+            </a:r>
             <a:endParaRPr sz="2400" b="1" dirty="0">
               <a:solidFill>
                 <a:schemeClr val="lt1"/>
@@ -17235,23 +18858,46 @@
           </a:p>
         </p:txBody>
       </p:sp>
+      <p:pic>
+        <p:nvPicPr>
+          <p:cNvPr id="3" name="그림 2">
+            <a:extLst>
+              <a:ext uri="{FF2B5EF4-FFF2-40B4-BE49-F238E27FC236}">
+                <a16:creationId xmlns:a16="http://schemas.microsoft.com/office/drawing/2014/main" id="{C0C57ACA-3D5F-43C4-9B43-C9BAB1749C5A}"/>
+              </a:ext>
+            </a:extLst>
+          </p:cNvPr>
+          <p:cNvPicPr>
+            <a:picLocks noChangeAspect="1"/>
+          </p:cNvPicPr>
+          <p:nvPr/>
+        </p:nvPicPr>
+        <p:blipFill>
+          <a:blip r:embed="rId3"/>
+          <a:stretch>
+            <a:fillRect/>
+          </a:stretch>
+        </p:blipFill>
+        <p:spPr>
+          <a:xfrm>
+            <a:off x="2471738" y="1157938"/>
+            <a:ext cx="6730986" cy="5050428"/>
+          </a:xfrm>
+          <a:prstGeom prst="rect">
+            <a:avLst/>
+          </a:prstGeom>
+        </p:spPr>
+      </p:pic>
     </p:spTree>
     <p:extLst>
       <p:ext uri="{BB962C8B-B14F-4D97-AF65-F5344CB8AC3E}">
-        <p14:creationId xmlns:p14="http://schemas.microsoft.com/office/powerpoint/2010/main" val="2554805668"/>
+        <p14:creationId xmlns:p14="http://schemas.microsoft.com/office/powerpoint/2010/main" val="369583548"/>
       </p:ext>
     </p:extLst>
   </p:cSld>
   <p:clrMapOvr>
     <a:masterClrMapping/>
   </p:clrMapOvr>
-  <p:timing>
-    <p:tnLst>
-      <p:par>
-        <p:cTn id="1" dur="indefinite" restart="never" nodeType="tmRoot"/>
-      </p:par>
-    </p:tnLst>
-  </p:timing>
 </p:sld>
 </file>
 
